--- a/Deep-Reinforcement-Learning-Hands-On-master/RL Data Flow v1.pptx
+++ b/Deep-Reinforcement-Learning-Hands-On-master/RL Data Flow v1.pptx
@@ -122,7 +122,7 @@
 <file path=ppt/revisionInfo.xml><?xml version="1.0" encoding="utf-8"?>
 <p1510:revInfo xmlns:a="http://schemas.openxmlformats.org/drawingml/2006/main" xmlns:r="http://schemas.openxmlformats.org/officeDocument/2006/relationships" xmlns:p1510="http://schemas.microsoft.com/office/powerpoint/2015/10/main">
   <p1510:revLst>
-    <p1510:client id="{9F1D8E3D-2548-4E06-A7C3-9E4ED1A840E6}" v="339" dt="2018-11-18T21:38:29.629"/>
+    <p1510:client id="{9F1D8E3D-2548-4E06-A7C3-9E4ED1A840E6}" v="347" dt="2018-11-21T00:07:40.159"/>
   </p1510:revLst>
 </p1510:revInfo>
 </file>
@@ -132,7 +132,7 @@
   <pc:docChgLst>
     <pc:chgData name="Ilan Reiter" userId="e7e108c4d05ea0a8" providerId="LiveId" clId="{9F1D8E3D-2548-4E06-A7C3-9E4ED1A840E6}"/>
     <pc:docChg chg="undo redo custSel addSld delSld modSld">
-      <pc:chgData name="Ilan Reiter" userId="e7e108c4d05ea0a8" providerId="LiveId" clId="{9F1D8E3D-2548-4E06-A7C3-9E4ED1A840E6}" dt="2018-11-18T21:38:29.628" v="4125" actId="14100"/>
+      <pc:chgData name="Ilan Reiter" userId="e7e108c4d05ea0a8" providerId="LiveId" clId="{9F1D8E3D-2548-4E06-A7C3-9E4ED1A840E6}" dt="2018-11-21T00:08:05.169" v="4162" actId="5793"/>
       <pc:docMkLst>
         <pc:docMk/>
       </pc:docMkLst>
@@ -1394,1093 +1394,8 @@
           </ac:spMkLst>
         </pc:spChg>
       </pc:sldChg>
-      <pc:sldChg chg="addSp delSp modSp add del">
-        <pc:chgData name="Ilan Reiter" userId="e7e108c4d05ea0a8" providerId="LiveId" clId="{9F1D8E3D-2548-4E06-A7C3-9E4ED1A840E6}" dt="2018-11-18T21:01:34.352" v="3884" actId="2696"/>
-        <pc:sldMkLst>
-          <pc:docMk/>
-          <pc:sldMk cId="717760171" sldId="262"/>
-        </pc:sldMkLst>
-        <pc:spChg chg="add mod">
-          <ac:chgData name="Ilan Reiter" userId="e7e108c4d05ea0a8" providerId="LiveId" clId="{9F1D8E3D-2548-4E06-A7C3-9E4ED1A840E6}" dt="2018-11-17T23:55:15.474" v="2594" actId="1076"/>
-          <ac:spMkLst>
-            <pc:docMk/>
-            <pc:sldMk cId="717760171" sldId="262"/>
-            <ac:spMk id="2" creationId="{6FF279F7-2044-4F63-AB84-CF6E65ADFC20}"/>
-          </ac:spMkLst>
-        </pc:spChg>
-        <pc:spChg chg="add mod">
-          <ac:chgData name="Ilan Reiter" userId="e7e108c4d05ea0a8" providerId="LiveId" clId="{9F1D8E3D-2548-4E06-A7C3-9E4ED1A840E6}" dt="2018-11-17T23:48:21.685" v="2528" actId="1076"/>
-          <ac:spMkLst>
-            <pc:docMk/>
-            <pc:sldMk cId="717760171" sldId="262"/>
-            <ac:spMk id="3" creationId="{603D661C-AC89-4D37-B0BE-AE05C51B8BA6}"/>
-          </ac:spMkLst>
-        </pc:spChg>
-        <pc:spChg chg="add mod">
-          <ac:chgData name="Ilan Reiter" userId="e7e108c4d05ea0a8" providerId="LiveId" clId="{9F1D8E3D-2548-4E06-A7C3-9E4ED1A840E6}" dt="2018-11-18T00:14:17.310" v="2740" actId="207"/>
-          <ac:spMkLst>
-            <pc:docMk/>
-            <pc:sldMk cId="717760171" sldId="262"/>
-            <ac:spMk id="4" creationId="{8D776017-6FC1-450B-9C09-36F71055F08B}"/>
-          </ac:spMkLst>
-        </pc:spChg>
-        <pc:spChg chg="add mod">
-          <ac:chgData name="Ilan Reiter" userId="e7e108c4d05ea0a8" providerId="LiveId" clId="{9F1D8E3D-2548-4E06-A7C3-9E4ED1A840E6}" dt="2018-11-17T23:55:25.102" v="2595" actId="1076"/>
-          <ac:spMkLst>
-            <pc:docMk/>
-            <pc:sldMk cId="717760171" sldId="262"/>
-            <ac:spMk id="5" creationId="{DCD63339-A751-4989-9A6F-539B659FAA74}"/>
-          </ac:spMkLst>
-        </pc:spChg>
-        <pc:spChg chg="add mod">
-          <ac:chgData name="Ilan Reiter" userId="e7e108c4d05ea0a8" providerId="LiveId" clId="{9F1D8E3D-2548-4E06-A7C3-9E4ED1A840E6}" dt="2018-11-18T00:11:21.836" v="2712" actId="1076"/>
-          <ac:spMkLst>
-            <pc:docMk/>
-            <pc:sldMk cId="717760171" sldId="262"/>
-            <ac:spMk id="6" creationId="{46952729-E01A-4311-8139-DE9EDDAF27A8}"/>
-          </ac:spMkLst>
-        </pc:spChg>
-        <pc:spChg chg="add mod">
-          <ac:chgData name="Ilan Reiter" userId="e7e108c4d05ea0a8" providerId="LiveId" clId="{9F1D8E3D-2548-4E06-A7C3-9E4ED1A840E6}" dt="2018-11-18T00:11:25.933" v="2713" actId="1076"/>
-          <ac:spMkLst>
-            <pc:docMk/>
-            <pc:sldMk cId="717760171" sldId="262"/>
-            <ac:spMk id="7" creationId="{E5CDB20E-4289-4C2A-AF42-7F5DBABFF534}"/>
-          </ac:spMkLst>
-        </pc:spChg>
-        <pc:spChg chg="add mod">
-          <ac:chgData name="Ilan Reiter" userId="e7e108c4d05ea0a8" providerId="LiveId" clId="{9F1D8E3D-2548-4E06-A7C3-9E4ED1A840E6}" dt="2018-11-17T23:57:11.290" v="2604" actId="1076"/>
-          <ac:spMkLst>
-            <pc:docMk/>
-            <pc:sldMk cId="717760171" sldId="262"/>
-            <ac:spMk id="8" creationId="{861C5E3D-843E-4E14-92CC-C5AB8FCAF6AD}"/>
-          </ac:spMkLst>
-        </pc:spChg>
-        <pc:spChg chg="add mod ord">
-          <ac:chgData name="Ilan Reiter" userId="e7e108c4d05ea0a8" providerId="LiveId" clId="{9F1D8E3D-2548-4E06-A7C3-9E4ED1A840E6}" dt="2018-11-18T00:14:51.589" v="2744" actId="166"/>
-          <ac:spMkLst>
-            <pc:docMk/>
-            <pc:sldMk cId="717760171" sldId="262"/>
-            <ac:spMk id="9" creationId="{2E5386CC-EEC6-4583-8ED8-7A7149AAFAF1}"/>
-          </ac:spMkLst>
-        </pc:spChg>
-        <pc:spChg chg="add mod ord">
-          <ac:chgData name="Ilan Reiter" userId="e7e108c4d05ea0a8" providerId="LiveId" clId="{9F1D8E3D-2548-4E06-A7C3-9E4ED1A840E6}" dt="2018-11-18T00:20:21.203" v="2787" actId="166"/>
-          <ac:spMkLst>
-            <pc:docMk/>
-            <pc:sldMk cId="717760171" sldId="262"/>
-            <ac:spMk id="10" creationId="{2812812C-3B6B-4362-9690-920994C99655}"/>
-          </ac:spMkLst>
-        </pc:spChg>
-        <pc:spChg chg="add mod">
-          <ac:chgData name="Ilan Reiter" userId="e7e108c4d05ea0a8" providerId="LiveId" clId="{9F1D8E3D-2548-4E06-A7C3-9E4ED1A840E6}" dt="2018-11-17T23:55:25.102" v="2595" actId="1076"/>
-          <ac:spMkLst>
-            <pc:docMk/>
-            <pc:sldMk cId="717760171" sldId="262"/>
-            <ac:spMk id="11" creationId="{6DA0EF4F-73BA-4754-8C0C-D099AA388BE6}"/>
-          </ac:spMkLst>
-        </pc:spChg>
-        <pc:spChg chg="add mod">
-          <ac:chgData name="Ilan Reiter" userId="e7e108c4d05ea0a8" providerId="LiveId" clId="{9F1D8E3D-2548-4E06-A7C3-9E4ED1A840E6}" dt="2018-11-17T21:40:38.205" v="2359" actId="1076"/>
-          <ac:spMkLst>
-            <pc:docMk/>
-            <pc:sldMk cId="717760171" sldId="262"/>
-            <ac:spMk id="12" creationId="{4EAA108B-F520-4FF7-B2E4-D42DE25A7BF8}"/>
-          </ac:spMkLst>
-        </pc:spChg>
-        <pc:spChg chg="add mod">
-          <ac:chgData name="Ilan Reiter" userId="e7e108c4d05ea0a8" providerId="LiveId" clId="{9F1D8E3D-2548-4E06-A7C3-9E4ED1A840E6}" dt="2018-11-17T21:40:38.205" v="2359" actId="1076"/>
-          <ac:spMkLst>
-            <pc:docMk/>
-            <pc:sldMk cId="717760171" sldId="262"/>
-            <ac:spMk id="13" creationId="{63A99166-4319-4B37-9971-D4EABE2E7D16}"/>
-          </ac:spMkLst>
-        </pc:spChg>
-        <pc:spChg chg="add mod">
-          <ac:chgData name="Ilan Reiter" userId="e7e108c4d05ea0a8" providerId="LiveId" clId="{9F1D8E3D-2548-4E06-A7C3-9E4ED1A840E6}" dt="2018-11-17T21:40:38.205" v="2359" actId="1076"/>
-          <ac:spMkLst>
-            <pc:docMk/>
-            <pc:sldMk cId="717760171" sldId="262"/>
-            <ac:spMk id="14" creationId="{11717245-8E3E-468C-A91F-0977DD031394}"/>
-          </ac:spMkLst>
-        </pc:spChg>
-        <pc:spChg chg="add mod">
-          <ac:chgData name="Ilan Reiter" userId="e7e108c4d05ea0a8" providerId="LiveId" clId="{9F1D8E3D-2548-4E06-A7C3-9E4ED1A840E6}" dt="2018-11-17T21:40:38.205" v="2359" actId="1076"/>
-          <ac:spMkLst>
-            <pc:docMk/>
-            <pc:sldMk cId="717760171" sldId="262"/>
-            <ac:spMk id="15" creationId="{D5111A3D-5C29-4846-8EC2-DB61BE1DE7E9}"/>
-          </ac:spMkLst>
-        </pc:spChg>
-        <pc:spChg chg="add mod">
-          <ac:chgData name="Ilan Reiter" userId="e7e108c4d05ea0a8" providerId="LiveId" clId="{9F1D8E3D-2548-4E06-A7C3-9E4ED1A840E6}" dt="2018-11-17T23:52:55.318" v="2575" actId="1076"/>
-          <ac:spMkLst>
-            <pc:docMk/>
-            <pc:sldMk cId="717760171" sldId="262"/>
-            <ac:spMk id="16" creationId="{76B5AC24-6178-41B0-A3DE-6276C485C079}"/>
-          </ac:spMkLst>
-        </pc:spChg>
-        <pc:spChg chg="add mod">
-          <ac:chgData name="Ilan Reiter" userId="e7e108c4d05ea0a8" providerId="LiveId" clId="{9F1D8E3D-2548-4E06-A7C3-9E4ED1A840E6}" dt="2018-11-17T23:55:25.102" v="2595" actId="1076"/>
-          <ac:spMkLst>
-            <pc:docMk/>
-            <pc:sldMk cId="717760171" sldId="262"/>
-            <ac:spMk id="17" creationId="{DCC2E0B4-3953-4DB8-819B-B3A8304C8D83}"/>
-          </ac:spMkLst>
-        </pc:spChg>
-        <pc:spChg chg="add mod">
-          <ac:chgData name="Ilan Reiter" userId="e7e108c4d05ea0a8" providerId="LiveId" clId="{9F1D8E3D-2548-4E06-A7C3-9E4ED1A840E6}" dt="2018-11-17T23:52:55.318" v="2575" actId="1076"/>
-          <ac:spMkLst>
-            <pc:docMk/>
-            <pc:sldMk cId="717760171" sldId="262"/>
-            <ac:spMk id="18" creationId="{52F3CE1E-4A69-483F-B25F-8FEE117627E0}"/>
-          </ac:spMkLst>
-        </pc:spChg>
-        <pc:spChg chg="add mod">
-          <ac:chgData name="Ilan Reiter" userId="e7e108c4d05ea0a8" providerId="LiveId" clId="{9F1D8E3D-2548-4E06-A7C3-9E4ED1A840E6}" dt="2018-11-18T00:17:29.473" v="2763"/>
-          <ac:spMkLst>
-            <pc:docMk/>
-            <pc:sldMk cId="717760171" sldId="262"/>
-            <ac:spMk id="19" creationId="{3F87739E-C4CF-43AA-847C-AB91B2CD256F}"/>
-          </ac:spMkLst>
-        </pc:spChg>
-        <pc:spChg chg="add mod">
-          <ac:chgData name="Ilan Reiter" userId="e7e108c4d05ea0a8" providerId="LiveId" clId="{9F1D8E3D-2548-4E06-A7C3-9E4ED1A840E6}" dt="2018-11-17T23:48:27.804" v="2529" actId="1076"/>
-          <ac:spMkLst>
-            <pc:docMk/>
-            <pc:sldMk cId="717760171" sldId="262"/>
-            <ac:spMk id="20" creationId="{AA7DD7E4-DA4A-4755-946D-28A2F2D85AEB}"/>
-          </ac:spMkLst>
-        </pc:spChg>
-        <pc:spChg chg="add mod">
-          <ac:chgData name="Ilan Reiter" userId="e7e108c4d05ea0a8" providerId="LiveId" clId="{9F1D8E3D-2548-4E06-A7C3-9E4ED1A840E6}" dt="2018-11-17T23:48:27.804" v="2529" actId="1076"/>
-          <ac:spMkLst>
-            <pc:docMk/>
-            <pc:sldMk cId="717760171" sldId="262"/>
-            <ac:spMk id="21" creationId="{8F9BFF94-AA00-4AA5-B07B-40E7D853D715}"/>
-          </ac:spMkLst>
-        </pc:spChg>
-        <pc:spChg chg="add mod">
-          <ac:chgData name="Ilan Reiter" userId="e7e108c4d05ea0a8" providerId="LiveId" clId="{9F1D8E3D-2548-4E06-A7C3-9E4ED1A840E6}" dt="2018-11-17T23:48:27.804" v="2529" actId="1076"/>
-          <ac:spMkLst>
-            <pc:docMk/>
-            <pc:sldMk cId="717760171" sldId="262"/>
-            <ac:spMk id="22" creationId="{CE5B3854-61CE-4092-B80C-B10B6BC2DDF6}"/>
-          </ac:spMkLst>
-        </pc:spChg>
-        <pc:spChg chg="add del mod">
-          <ac:chgData name="Ilan Reiter" userId="e7e108c4d05ea0a8" providerId="LiveId" clId="{9F1D8E3D-2548-4E06-A7C3-9E4ED1A840E6}" dt="2018-11-17T21:37:45.055" v="2330" actId="478"/>
-          <ac:spMkLst>
-            <pc:docMk/>
-            <pc:sldMk cId="717760171" sldId="262"/>
-            <ac:spMk id="23" creationId="{9741B684-4A19-4292-8C3B-1CB9267D538D}"/>
-          </ac:spMkLst>
-        </pc:spChg>
-        <pc:spChg chg="add mod">
-          <ac:chgData name="Ilan Reiter" userId="e7e108c4d05ea0a8" providerId="LiveId" clId="{9F1D8E3D-2548-4E06-A7C3-9E4ED1A840E6}" dt="2018-11-17T23:48:02.536" v="2526" actId="1076"/>
-          <ac:spMkLst>
-            <pc:docMk/>
-            <pc:sldMk cId="717760171" sldId="262"/>
-            <ac:spMk id="24" creationId="{7034B2AA-4CDF-4274-92DF-4E4C9834F3A9}"/>
-          </ac:spMkLst>
-        </pc:spChg>
-        <pc:spChg chg="add del mod">
-          <ac:chgData name="Ilan Reiter" userId="e7e108c4d05ea0a8" providerId="LiveId" clId="{9F1D8E3D-2548-4E06-A7C3-9E4ED1A840E6}" dt="2018-11-17T23:39:42.822" v="2465" actId="478"/>
-          <ac:spMkLst>
-            <pc:docMk/>
-            <pc:sldMk cId="717760171" sldId="262"/>
-            <ac:spMk id="25" creationId="{F73340CE-47FA-44A3-8E06-488F1E1CFBB4}"/>
-          </ac:spMkLst>
-        </pc:spChg>
-        <pc:spChg chg="add mod">
-          <ac:chgData name="Ilan Reiter" userId="e7e108c4d05ea0a8" providerId="LiveId" clId="{9F1D8E3D-2548-4E06-A7C3-9E4ED1A840E6}" dt="2018-11-17T23:48:02.536" v="2526" actId="1076"/>
-          <ac:spMkLst>
-            <pc:docMk/>
-            <pc:sldMk cId="717760171" sldId="262"/>
-            <ac:spMk id="26" creationId="{1ED2B816-72F1-4725-B7F5-567ABB5E1E69}"/>
-          </ac:spMkLst>
-        </pc:spChg>
-        <pc:spChg chg="add del mod">
-          <ac:chgData name="Ilan Reiter" userId="e7e108c4d05ea0a8" providerId="LiveId" clId="{9F1D8E3D-2548-4E06-A7C3-9E4ED1A840E6}" dt="2018-11-17T23:39:46.181" v="2466" actId="478"/>
-          <ac:spMkLst>
-            <pc:docMk/>
-            <pc:sldMk cId="717760171" sldId="262"/>
-            <ac:spMk id="27" creationId="{C3F06FB2-A3BE-4699-A9AD-9795D26FDAFB}"/>
-          </ac:spMkLst>
-        </pc:spChg>
-        <pc:spChg chg="add mod">
-          <ac:chgData name="Ilan Reiter" userId="e7e108c4d05ea0a8" providerId="LiveId" clId="{9F1D8E3D-2548-4E06-A7C3-9E4ED1A840E6}" dt="2018-11-18T00:12:41.173" v="2729" actId="1076"/>
-          <ac:spMkLst>
-            <pc:docMk/>
-            <pc:sldMk cId="717760171" sldId="262"/>
-            <ac:spMk id="28" creationId="{D7B44404-D1B0-490E-864D-25502C6536CE}"/>
-          </ac:spMkLst>
-        </pc:spChg>
-        <pc:spChg chg="add mod">
-          <ac:chgData name="Ilan Reiter" userId="e7e108c4d05ea0a8" providerId="LiveId" clId="{9F1D8E3D-2548-4E06-A7C3-9E4ED1A840E6}" dt="2018-11-17T23:54:26.950" v="2590" actId="1076"/>
-          <ac:spMkLst>
-            <pc:docMk/>
-            <pc:sldMk cId="717760171" sldId="262"/>
-            <ac:spMk id="36" creationId="{1B6C7E8E-BDDA-4BA9-B476-6E97CAE41792}"/>
-          </ac:spMkLst>
-        </pc:spChg>
-        <pc:spChg chg="add mod">
-          <ac:chgData name="Ilan Reiter" userId="e7e108c4d05ea0a8" providerId="LiveId" clId="{9F1D8E3D-2548-4E06-A7C3-9E4ED1A840E6}" dt="2018-11-17T23:48:21.685" v="2528" actId="1076"/>
-          <ac:spMkLst>
-            <pc:docMk/>
-            <pc:sldMk cId="717760171" sldId="262"/>
-            <ac:spMk id="43" creationId="{CFE54C1A-DD12-4DDA-9F8A-37F42DC36047}"/>
-          </ac:spMkLst>
-        </pc:spChg>
-        <pc:spChg chg="add del mod ord">
-          <ac:chgData name="Ilan Reiter" userId="e7e108c4d05ea0a8" providerId="LiveId" clId="{9F1D8E3D-2548-4E06-A7C3-9E4ED1A840E6}" dt="2018-11-17T23:50:53.847" v="2544" actId="478"/>
-          <ac:spMkLst>
-            <pc:docMk/>
-            <pc:sldMk cId="717760171" sldId="262"/>
-            <ac:spMk id="46" creationId="{B1EBAF30-76CA-4C96-9267-7F8B46365817}"/>
-          </ac:spMkLst>
-        </pc:spChg>
-        <pc:spChg chg="add mod">
-          <ac:chgData name="Ilan Reiter" userId="e7e108c4d05ea0a8" providerId="LiveId" clId="{9F1D8E3D-2548-4E06-A7C3-9E4ED1A840E6}" dt="2018-11-17T23:55:25.102" v="2595" actId="1076"/>
-          <ac:spMkLst>
-            <pc:docMk/>
-            <pc:sldMk cId="717760171" sldId="262"/>
-            <ac:spMk id="47" creationId="{65DE60D8-C158-4683-BA85-AC4A58410BD4}"/>
-          </ac:spMkLst>
-        </pc:spChg>
-        <pc:spChg chg="add mod">
-          <ac:chgData name="Ilan Reiter" userId="e7e108c4d05ea0a8" providerId="LiveId" clId="{9F1D8E3D-2548-4E06-A7C3-9E4ED1A840E6}" dt="2018-11-17T23:48:02.536" v="2526" actId="1076"/>
-          <ac:spMkLst>
-            <pc:docMk/>
-            <pc:sldMk cId="717760171" sldId="262"/>
-            <ac:spMk id="51" creationId="{6E72BD22-0C63-491A-A0D5-9DEBCF94C920}"/>
-          </ac:spMkLst>
-        </pc:spChg>
-        <pc:spChg chg="add mod">
-          <ac:chgData name="Ilan Reiter" userId="e7e108c4d05ea0a8" providerId="LiveId" clId="{9F1D8E3D-2548-4E06-A7C3-9E4ED1A840E6}" dt="2018-11-17T23:55:25.102" v="2595" actId="1076"/>
-          <ac:spMkLst>
-            <pc:docMk/>
-            <pc:sldMk cId="717760171" sldId="262"/>
-            <ac:spMk id="54" creationId="{2B27BFFB-EA9D-4F84-96A9-72252D6A7C59}"/>
-          </ac:spMkLst>
-        </pc:spChg>
-        <pc:spChg chg="add mod">
-          <ac:chgData name="Ilan Reiter" userId="e7e108c4d05ea0a8" providerId="LiveId" clId="{9F1D8E3D-2548-4E06-A7C3-9E4ED1A840E6}" dt="2018-11-18T00:17:56.603" v="2774" actId="1076"/>
-          <ac:spMkLst>
-            <pc:docMk/>
-            <pc:sldMk cId="717760171" sldId="262"/>
-            <ac:spMk id="69" creationId="{07F5BC22-33E2-4170-8F99-13426EDF24F6}"/>
-          </ac:spMkLst>
-        </pc:spChg>
-        <pc:spChg chg="add mod ord">
-          <ac:chgData name="Ilan Reiter" userId="e7e108c4d05ea0a8" providerId="LiveId" clId="{9F1D8E3D-2548-4E06-A7C3-9E4ED1A840E6}" dt="2018-11-18T00:14:00.005" v="2737" actId="1076"/>
-          <ac:spMkLst>
-            <pc:docMk/>
-            <pc:sldMk cId="717760171" sldId="262"/>
-            <ac:spMk id="86" creationId="{F5D3A31C-040B-432B-A385-05D680318C7E}"/>
-          </ac:spMkLst>
-        </pc:spChg>
-        <pc:spChg chg="add mod">
-          <ac:chgData name="Ilan Reiter" userId="e7e108c4d05ea0a8" providerId="LiveId" clId="{9F1D8E3D-2548-4E06-A7C3-9E4ED1A840E6}" dt="2018-11-18T00:12:15.018" v="2723" actId="1076"/>
-          <ac:spMkLst>
-            <pc:docMk/>
-            <pc:sldMk cId="717760171" sldId="262"/>
-            <ac:spMk id="93" creationId="{D4243E14-52D4-4F7D-B76D-2D000B5AEDC4}"/>
-          </ac:spMkLst>
-        </pc:spChg>
-        <pc:spChg chg="add mod ord">
-          <ac:chgData name="Ilan Reiter" userId="e7e108c4d05ea0a8" providerId="LiveId" clId="{9F1D8E3D-2548-4E06-A7C3-9E4ED1A840E6}" dt="2018-11-18T00:14:03.121" v="2738" actId="1076"/>
-          <ac:spMkLst>
-            <pc:docMk/>
-            <pc:sldMk cId="717760171" sldId="262"/>
-            <ac:spMk id="94" creationId="{8C41F9F7-A098-4D7A-B608-8576267F3CC5}"/>
-          </ac:spMkLst>
-        </pc:spChg>
-        <pc:spChg chg="add mod">
-          <ac:chgData name="Ilan Reiter" userId="e7e108c4d05ea0a8" providerId="LiveId" clId="{9F1D8E3D-2548-4E06-A7C3-9E4ED1A840E6}" dt="2018-11-18T00:12:12.509" v="2722" actId="1076"/>
-          <ac:spMkLst>
-            <pc:docMk/>
-            <pc:sldMk cId="717760171" sldId="262"/>
-            <ac:spMk id="95" creationId="{697B4146-0287-4CF6-BBC5-215E1D00340D}"/>
-          </ac:spMkLst>
-        </pc:spChg>
-        <pc:spChg chg="add mod ord">
-          <ac:chgData name="Ilan Reiter" userId="e7e108c4d05ea0a8" providerId="LiveId" clId="{9F1D8E3D-2548-4E06-A7C3-9E4ED1A840E6}" dt="2018-11-18T00:15:07.414" v="2746" actId="166"/>
-          <ac:spMkLst>
-            <pc:docMk/>
-            <pc:sldMk cId="717760171" sldId="262"/>
-            <ac:spMk id="110" creationId="{225780D3-5F71-409A-9BCC-74557C888EC3}"/>
-          </ac:spMkLst>
-        </pc:spChg>
-        <pc:spChg chg="add mod">
-          <ac:chgData name="Ilan Reiter" userId="e7e108c4d05ea0a8" providerId="LiveId" clId="{9F1D8E3D-2548-4E06-A7C3-9E4ED1A840E6}" dt="2018-11-18T00:16:07.421" v="2759" actId="1076"/>
-          <ac:spMkLst>
-            <pc:docMk/>
-            <pc:sldMk cId="717760171" sldId="262"/>
-            <ac:spMk id="137" creationId="{B107BE01-5A9C-4857-AC99-3129634D466F}"/>
-          </ac:spMkLst>
-        </pc:spChg>
-        <pc:spChg chg="add mod ord">
-          <ac:chgData name="Ilan Reiter" userId="e7e108c4d05ea0a8" providerId="LiveId" clId="{9F1D8E3D-2548-4E06-A7C3-9E4ED1A840E6}" dt="2018-11-18T00:18:32.426" v="2777" actId="166"/>
-          <ac:spMkLst>
-            <pc:docMk/>
-            <pc:sldMk cId="717760171" sldId="262"/>
-            <ac:spMk id="138" creationId="{C8D047E9-FD55-4B1E-816F-790F8EA78D0E}"/>
-          </ac:spMkLst>
-        </pc:spChg>
-        <pc:cxnChg chg="add mod">
-          <ac:chgData name="Ilan Reiter" userId="e7e108c4d05ea0a8" providerId="LiveId" clId="{9F1D8E3D-2548-4E06-A7C3-9E4ED1A840E6}" dt="2018-11-17T23:48:21.685" v="2528" actId="1076"/>
-          <ac:cxnSpMkLst>
-            <pc:docMk/>
-            <pc:sldMk cId="717760171" sldId="262"/>
-            <ac:cxnSpMk id="30" creationId="{858E6445-F177-4130-9BA4-318EC356FE9D}"/>
-          </ac:cxnSpMkLst>
-        </pc:cxnChg>
-        <pc:cxnChg chg="add del mod">
-          <ac:chgData name="Ilan Reiter" userId="e7e108c4d05ea0a8" providerId="LiveId" clId="{9F1D8E3D-2548-4E06-A7C3-9E4ED1A840E6}" dt="2018-11-17T23:54:44.723" v="2592" actId="478"/>
-          <ac:cxnSpMkLst>
-            <pc:docMk/>
-            <pc:sldMk cId="717760171" sldId="262"/>
-            <ac:cxnSpMk id="35" creationId="{8C47AF47-1CFA-4680-8055-31C73636A33B}"/>
-          </ac:cxnSpMkLst>
-        </pc:cxnChg>
-        <pc:cxnChg chg="add del mod">
-          <ac:chgData name="Ilan Reiter" userId="e7e108c4d05ea0a8" providerId="LiveId" clId="{9F1D8E3D-2548-4E06-A7C3-9E4ED1A840E6}" dt="2018-11-17T23:57:07.685" v="2603" actId="478"/>
-          <ac:cxnSpMkLst>
-            <pc:docMk/>
-            <pc:sldMk cId="717760171" sldId="262"/>
-            <ac:cxnSpMk id="38" creationId="{367F02C6-4DC3-426F-A526-B74E6C64F2EA}"/>
-          </ac:cxnSpMkLst>
-        </pc:cxnChg>
-        <pc:cxnChg chg="add del mod">
-          <ac:chgData name="Ilan Reiter" userId="e7e108c4d05ea0a8" providerId="LiveId" clId="{9F1D8E3D-2548-4E06-A7C3-9E4ED1A840E6}" dt="2018-11-17T23:57:05.995" v="2602" actId="478"/>
-          <ac:cxnSpMkLst>
-            <pc:docMk/>
-            <pc:sldMk cId="717760171" sldId="262"/>
-            <ac:cxnSpMk id="41" creationId="{453F873E-6D85-4AE0-A75E-53DD92EE2304}"/>
-          </ac:cxnSpMkLst>
-        </pc:cxnChg>
-        <pc:cxnChg chg="add del mod">
-          <ac:chgData name="Ilan Reiter" userId="e7e108c4d05ea0a8" providerId="LiveId" clId="{9F1D8E3D-2548-4E06-A7C3-9E4ED1A840E6}" dt="2018-11-17T23:49:25.039" v="2534" actId="478"/>
-          <ac:cxnSpMkLst>
-            <pc:docMk/>
-            <pc:sldMk cId="717760171" sldId="262"/>
-            <ac:cxnSpMk id="49" creationId="{39A59F36-0884-494F-A9B3-E996D5BE7B39}"/>
-          </ac:cxnSpMkLst>
-        </pc:cxnChg>
-        <pc:cxnChg chg="add del mod">
-          <ac:chgData name="Ilan Reiter" userId="e7e108c4d05ea0a8" providerId="LiveId" clId="{9F1D8E3D-2548-4E06-A7C3-9E4ED1A840E6}" dt="2018-11-17T23:49:31.827" v="2535" actId="478"/>
-          <ac:cxnSpMkLst>
-            <pc:docMk/>
-            <pc:sldMk cId="717760171" sldId="262"/>
-            <ac:cxnSpMk id="52" creationId="{FA7B1198-7B8A-413B-8D95-5B37B941C3E9}"/>
-          </ac:cxnSpMkLst>
-        </pc:cxnChg>
-        <pc:cxnChg chg="add mod">
-          <ac:chgData name="Ilan Reiter" userId="e7e108c4d05ea0a8" providerId="LiveId" clId="{9F1D8E3D-2548-4E06-A7C3-9E4ED1A840E6}" dt="2018-11-17T23:55:25.102" v="2595" actId="1076"/>
-          <ac:cxnSpMkLst>
-            <pc:docMk/>
-            <pc:sldMk cId="717760171" sldId="262"/>
-            <ac:cxnSpMk id="56" creationId="{E28872EF-6BBD-4830-A6CE-08453F5813D4}"/>
-          </ac:cxnSpMkLst>
-        </pc:cxnChg>
-        <pc:cxnChg chg="add del mod">
-          <ac:chgData name="Ilan Reiter" userId="e7e108c4d05ea0a8" providerId="LiveId" clId="{9F1D8E3D-2548-4E06-A7C3-9E4ED1A840E6}" dt="2018-11-17T23:53:14.135" v="2579" actId="478"/>
-          <ac:cxnSpMkLst>
-            <pc:docMk/>
-            <pc:sldMk cId="717760171" sldId="262"/>
-            <ac:cxnSpMk id="60" creationId="{EBF03578-7AC6-45D6-B6AA-F466A4C8E931}"/>
-          </ac:cxnSpMkLst>
-        </pc:cxnChg>
-        <pc:cxnChg chg="add del mod">
-          <ac:chgData name="Ilan Reiter" userId="e7e108c4d05ea0a8" providerId="LiveId" clId="{9F1D8E3D-2548-4E06-A7C3-9E4ED1A840E6}" dt="2018-11-18T00:18:59.358" v="2779" actId="478"/>
-          <ac:cxnSpMkLst>
-            <pc:docMk/>
-            <pc:sldMk cId="717760171" sldId="262"/>
-            <ac:cxnSpMk id="67" creationId="{85FD4F0D-BA9A-443C-80BB-8BB584B9DE96}"/>
-          </ac:cxnSpMkLst>
-        </pc:cxnChg>
-        <pc:cxnChg chg="add mod">
-          <ac:chgData name="Ilan Reiter" userId="e7e108c4d05ea0a8" providerId="LiveId" clId="{9F1D8E3D-2548-4E06-A7C3-9E4ED1A840E6}" dt="2018-11-18T00:17:56.603" v="2774" actId="1076"/>
-          <ac:cxnSpMkLst>
-            <pc:docMk/>
-            <pc:sldMk cId="717760171" sldId="262"/>
-            <ac:cxnSpMk id="82" creationId="{7D09E2DE-B073-4790-9E50-F2D77E11B752}"/>
-          </ac:cxnSpMkLst>
-        </pc:cxnChg>
-        <pc:cxnChg chg="add del mod">
-          <ac:chgData name="Ilan Reiter" userId="e7e108c4d05ea0a8" providerId="LiveId" clId="{9F1D8E3D-2548-4E06-A7C3-9E4ED1A840E6}" dt="2018-11-17T23:57:31.430" v="2608" actId="11529"/>
-          <ac:cxnSpMkLst>
-            <pc:docMk/>
-            <pc:sldMk cId="717760171" sldId="262"/>
-            <ac:cxnSpMk id="85" creationId="{B13DC98A-8201-434C-8509-8935254BCE47}"/>
-          </ac:cxnSpMkLst>
-        </pc:cxnChg>
-        <pc:cxnChg chg="add del mod">
-          <ac:chgData name="Ilan Reiter" userId="e7e108c4d05ea0a8" providerId="LiveId" clId="{9F1D8E3D-2548-4E06-A7C3-9E4ED1A840E6}" dt="2018-11-18T00:00:26.175" v="2627" actId="478"/>
-          <ac:cxnSpMkLst>
-            <pc:docMk/>
-            <pc:sldMk cId="717760171" sldId="262"/>
-            <ac:cxnSpMk id="88" creationId="{2B9135BD-C8CC-407D-B6BC-915E5696FEC0}"/>
-          </ac:cxnSpMkLst>
-        </pc:cxnChg>
-        <pc:cxnChg chg="add mod">
-          <ac:chgData name="Ilan Reiter" userId="e7e108c4d05ea0a8" providerId="LiveId" clId="{9F1D8E3D-2548-4E06-A7C3-9E4ED1A840E6}" dt="2018-11-18T00:12:12.509" v="2722" actId="1076"/>
-          <ac:cxnSpMkLst>
-            <pc:docMk/>
-            <pc:sldMk cId="717760171" sldId="262"/>
-            <ac:cxnSpMk id="97" creationId="{2B22C185-7D4E-4156-88B3-17DFDA9CCD61}"/>
-          </ac:cxnSpMkLst>
-        </pc:cxnChg>
-        <pc:cxnChg chg="add del mod">
-          <ac:chgData name="Ilan Reiter" userId="e7e108c4d05ea0a8" providerId="LiveId" clId="{9F1D8E3D-2548-4E06-A7C3-9E4ED1A840E6}" dt="2018-11-18T00:19:23.802" v="2782" actId="14100"/>
-          <ac:cxnSpMkLst>
-            <pc:docMk/>
-            <pc:sldMk cId="717760171" sldId="262"/>
-            <ac:cxnSpMk id="100" creationId="{F7546DD9-E794-4607-8FC4-0EFC3CABE086}"/>
-          </ac:cxnSpMkLst>
-        </pc:cxnChg>
-        <pc:cxnChg chg="add mod">
-          <ac:chgData name="Ilan Reiter" userId="e7e108c4d05ea0a8" providerId="LiveId" clId="{9F1D8E3D-2548-4E06-A7C3-9E4ED1A840E6}" dt="2018-11-18T00:15:17.799" v="2750" actId="14100"/>
-          <ac:cxnSpMkLst>
-            <pc:docMk/>
-            <pc:sldMk cId="717760171" sldId="262"/>
-            <ac:cxnSpMk id="106" creationId="{F39FAB72-E7C1-46E7-854D-30F9B5A92F94}"/>
-          </ac:cxnSpMkLst>
-        </pc:cxnChg>
-        <pc:cxnChg chg="add mod">
-          <ac:chgData name="Ilan Reiter" userId="e7e108c4d05ea0a8" providerId="LiveId" clId="{9F1D8E3D-2548-4E06-A7C3-9E4ED1A840E6}" dt="2018-11-18T00:15:58.016" v="2757" actId="14100"/>
-          <ac:cxnSpMkLst>
-            <pc:docMk/>
-            <pc:sldMk cId="717760171" sldId="262"/>
-            <ac:cxnSpMk id="109" creationId="{E54C8F3B-0DD0-48B9-A545-E3530E60A420}"/>
-          </ac:cxnSpMkLst>
-        </pc:cxnChg>
-        <pc:cxnChg chg="add mod">
-          <ac:chgData name="Ilan Reiter" userId="e7e108c4d05ea0a8" providerId="LiveId" clId="{9F1D8E3D-2548-4E06-A7C3-9E4ED1A840E6}" dt="2018-11-18T00:12:17.864" v="2724" actId="14100"/>
-          <ac:cxnSpMkLst>
-            <pc:docMk/>
-            <pc:sldMk cId="717760171" sldId="262"/>
-            <ac:cxnSpMk id="116" creationId="{5EC43DC0-686F-4649-B7AA-2F683C531522}"/>
-          </ac:cxnSpMkLst>
-        </pc:cxnChg>
-        <pc:cxnChg chg="add mod">
-          <ac:chgData name="Ilan Reiter" userId="e7e108c4d05ea0a8" providerId="LiveId" clId="{9F1D8E3D-2548-4E06-A7C3-9E4ED1A840E6}" dt="2018-11-18T00:19:32.064" v="2783" actId="208"/>
-          <ac:cxnSpMkLst>
-            <pc:docMk/>
-            <pc:sldMk cId="717760171" sldId="262"/>
-            <ac:cxnSpMk id="125" creationId="{6B1E3014-24D3-4C96-8AD8-57797B5D6533}"/>
-          </ac:cxnSpMkLst>
-        </pc:cxnChg>
-        <pc:cxnChg chg="add mod">
-          <ac:chgData name="Ilan Reiter" userId="e7e108c4d05ea0a8" providerId="LiveId" clId="{9F1D8E3D-2548-4E06-A7C3-9E4ED1A840E6}" dt="2018-11-18T00:18:24.987" v="2776" actId="11529"/>
-          <ac:cxnSpMkLst>
-            <pc:docMk/>
-            <pc:sldMk cId="717760171" sldId="262"/>
-            <ac:cxnSpMk id="141" creationId="{BC99767E-4723-4A0F-AA6D-CD927256CF40}"/>
-          </ac:cxnSpMkLst>
-        </pc:cxnChg>
-        <pc:cxnChg chg="add mod">
-          <ac:chgData name="Ilan Reiter" userId="e7e108c4d05ea0a8" providerId="LiveId" clId="{9F1D8E3D-2548-4E06-A7C3-9E4ED1A840E6}" dt="2018-11-18T00:20:13.902" v="2785" actId="208"/>
-          <ac:cxnSpMkLst>
-            <pc:docMk/>
-            <pc:sldMk cId="717760171" sldId="262"/>
-            <ac:cxnSpMk id="145" creationId="{99C65B19-7A2B-4D62-A1D1-DFB64A43B110}"/>
-          </ac:cxnSpMkLst>
-        </pc:cxnChg>
-      </pc:sldChg>
-      <pc:sldChg chg="addSp delSp modSp add del">
-        <pc:chgData name="Ilan Reiter" userId="e7e108c4d05ea0a8" providerId="LiveId" clId="{9F1D8E3D-2548-4E06-A7C3-9E4ED1A840E6}" dt="2018-11-18T15:58:27.695" v="3042" actId="2696"/>
-        <pc:sldMkLst>
-          <pc:docMk/>
-          <pc:sldMk cId="2461271858" sldId="263"/>
-        </pc:sldMkLst>
-        <pc:spChg chg="mod">
-          <ac:chgData name="Ilan Reiter" userId="e7e108c4d05ea0a8" providerId="LiveId" clId="{9F1D8E3D-2548-4E06-A7C3-9E4ED1A840E6}" dt="2018-11-18T15:35:13.272" v="2975" actId="207"/>
-          <ac:spMkLst>
-            <pc:docMk/>
-            <pc:sldMk cId="2461271858" sldId="263"/>
-            <ac:spMk id="2" creationId="{6FF279F7-2044-4F63-AB84-CF6E65ADFC20}"/>
-          </ac:spMkLst>
-        </pc:spChg>
-        <pc:spChg chg="mod">
-          <ac:chgData name="Ilan Reiter" userId="e7e108c4d05ea0a8" providerId="LiveId" clId="{9F1D8E3D-2548-4E06-A7C3-9E4ED1A840E6}" dt="2018-11-18T15:35:22.760" v="2976" actId="207"/>
-          <ac:spMkLst>
-            <pc:docMk/>
-            <pc:sldMk cId="2461271858" sldId="263"/>
-            <ac:spMk id="3" creationId="{603D661C-AC89-4D37-B0BE-AE05C51B8BA6}"/>
-          </ac:spMkLst>
-        </pc:spChg>
-        <pc:spChg chg="mod">
-          <ac:chgData name="Ilan Reiter" userId="e7e108c4d05ea0a8" providerId="LiveId" clId="{9F1D8E3D-2548-4E06-A7C3-9E4ED1A840E6}" dt="2018-11-18T15:30:10.201" v="2939" actId="1076"/>
-          <ac:spMkLst>
-            <pc:docMk/>
-            <pc:sldMk cId="2461271858" sldId="263"/>
-            <ac:spMk id="4" creationId="{8D776017-6FC1-450B-9C09-36F71055F08B}"/>
-          </ac:spMkLst>
-        </pc:spChg>
-        <pc:spChg chg="mod">
-          <ac:chgData name="Ilan Reiter" userId="e7e108c4d05ea0a8" providerId="LiveId" clId="{9F1D8E3D-2548-4E06-A7C3-9E4ED1A840E6}" dt="2018-11-18T15:37:38.522" v="2992" actId="207"/>
-          <ac:spMkLst>
-            <pc:docMk/>
-            <pc:sldMk cId="2461271858" sldId="263"/>
-            <ac:spMk id="5" creationId="{DCD63339-A751-4989-9A6F-539B659FAA74}"/>
-          </ac:spMkLst>
-        </pc:spChg>
-        <pc:spChg chg="mod ord">
-          <ac:chgData name="Ilan Reiter" userId="e7e108c4d05ea0a8" providerId="LiveId" clId="{9F1D8E3D-2548-4E06-A7C3-9E4ED1A840E6}" dt="2018-11-18T15:40:34.574" v="3010" actId="167"/>
-          <ac:spMkLst>
-            <pc:docMk/>
-            <pc:sldMk cId="2461271858" sldId="263"/>
-            <ac:spMk id="6" creationId="{46952729-E01A-4311-8139-DE9EDDAF27A8}"/>
-          </ac:spMkLst>
-        </pc:spChg>
-        <pc:spChg chg="mod">
-          <ac:chgData name="Ilan Reiter" userId="e7e108c4d05ea0a8" providerId="LiveId" clId="{9F1D8E3D-2548-4E06-A7C3-9E4ED1A840E6}" dt="2018-11-18T15:39:32.714" v="3004" actId="1076"/>
-          <ac:spMkLst>
-            <pc:docMk/>
-            <pc:sldMk cId="2461271858" sldId="263"/>
-            <ac:spMk id="7" creationId="{E5CDB20E-4289-4C2A-AF42-7F5DBABFF534}"/>
-          </ac:spMkLst>
-        </pc:spChg>
-        <pc:spChg chg="mod">
-          <ac:chgData name="Ilan Reiter" userId="e7e108c4d05ea0a8" providerId="LiveId" clId="{9F1D8E3D-2548-4E06-A7C3-9E4ED1A840E6}" dt="2018-11-18T15:16:11.827" v="2801" actId="1076"/>
-          <ac:spMkLst>
-            <pc:docMk/>
-            <pc:sldMk cId="2461271858" sldId="263"/>
-            <ac:spMk id="8" creationId="{861C5E3D-843E-4E14-92CC-C5AB8FCAF6AD}"/>
-          </ac:spMkLst>
-        </pc:spChg>
-        <pc:spChg chg="mod">
-          <ac:chgData name="Ilan Reiter" userId="e7e108c4d05ea0a8" providerId="LiveId" clId="{9F1D8E3D-2548-4E06-A7C3-9E4ED1A840E6}" dt="2018-11-18T15:31:05.349" v="2944" actId="1076"/>
-          <ac:spMkLst>
-            <pc:docMk/>
-            <pc:sldMk cId="2461271858" sldId="263"/>
-            <ac:spMk id="9" creationId="{2E5386CC-EEC6-4583-8ED8-7A7149AAFAF1}"/>
-          </ac:spMkLst>
-        </pc:spChg>
-        <pc:spChg chg="mod">
-          <ac:chgData name="Ilan Reiter" userId="e7e108c4d05ea0a8" providerId="LiveId" clId="{9F1D8E3D-2548-4E06-A7C3-9E4ED1A840E6}" dt="2018-11-18T15:31:05.349" v="2944" actId="1076"/>
-          <ac:spMkLst>
-            <pc:docMk/>
-            <pc:sldMk cId="2461271858" sldId="263"/>
-            <ac:spMk id="10" creationId="{2812812C-3B6B-4362-9690-920994C99655}"/>
-          </ac:spMkLst>
-        </pc:spChg>
-        <pc:spChg chg="mod">
-          <ac:chgData name="Ilan Reiter" userId="e7e108c4d05ea0a8" providerId="LiveId" clId="{9F1D8E3D-2548-4E06-A7C3-9E4ED1A840E6}" dt="2018-11-18T15:31:43.736" v="2950" actId="1076"/>
-          <ac:spMkLst>
-            <pc:docMk/>
-            <pc:sldMk cId="2461271858" sldId="263"/>
-            <ac:spMk id="11" creationId="{6DA0EF4F-73BA-4754-8C0C-D099AA388BE6}"/>
-          </ac:spMkLst>
-        </pc:spChg>
-        <pc:spChg chg="mod ord">
-          <ac:chgData name="Ilan Reiter" userId="e7e108c4d05ea0a8" providerId="LiveId" clId="{9F1D8E3D-2548-4E06-A7C3-9E4ED1A840E6}" dt="2018-11-18T15:31:21.605" v="2948" actId="1076"/>
-          <ac:spMkLst>
-            <pc:docMk/>
-            <pc:sldMk cId="2461271858" sldId="263"/>
-            <ac:spMk id="16" creationId="{76B5AC24-6178-41B0-A3DE-6276C485C079}"/>
-          </ac:spMkLst>
-        </pc:spChg>
-        <pc:spChg chg="mod">
-          <ac:chgData name="Ilan Reiter" userId="e7e108c4d05ea0a8" providerId="LiveId" clId="{9F1D8E3D-2548-4E06-A7C3-9E4ED1A840E6}" dt="2018-11-18T15:33:07.962" v="2964" actId="1076"/>
-          <ac:spMkLst>
-            <pc:docMk/>
-            <pc:sldMk cId="2461271858" sldId="263"/>
-            <ac:spMk id="17" creationId="{DCC2E0B4-3953-4DB8-819B-B3A8304C8D83}"/>
-          </ac:spMkLst>
-        </pc:spChg>
-        <pc:spChg chg="mod">
-          <ac:chgData name="Ilan Reiter" userId="e7e108c4d05ea0a8" providerId="LiveId" clId="{9F1D8E3D-2548-4E06-A7C3-9E4ED1A840E6}" dt="2018-11-18T15:25:48.514" v="2927" actId="1076"/>
-          <ac:spMkLst>
-            <pc:docMk/>
-            <pc:sldMk cId="2461271858" sldId="263"/>
-            <ac:spMk id="18" creationId="{52F3CE1E-4A69-483F-B25F-8FEE117627E0}"/>
-          </ac:spMkLst>
-        </pc:spChg>
-        <pc:spChg chg="mod ord">
-          <ac:chgData name="Ilan Reiter" userId="e7e108c4d05ea0a8" providerId="LiveId" clId="{9F1D8E3D-2548-4E06-A7C3-9E4ED1A840E6}" dt="2018-11-18T15:32:49.872" v="2961" actId="1076"/>
-          <ac:spMkLst>
-            <pc:docMk/>
-            <pc:sldMk cId="2461271858" sldId="263"/>
-            <ac:spMk id="19" creationId="{3F87739E-C4CF-43AA-847C-AB91B2CD256F}"/>
-          </ac:spMkLst>
-        </pc:spChg>
-        <pc:spChg chg="mod">
-          <ac:chgData name="Ilan Reiter" userId="e7e108c4d05ea0a8" providerId="LiveId" clId="{9F1D8E3D-2548-4E06-A7C3-9E4ED1A840E6}" dt="2018-11-18T15:38:22.379" v="2996" actId="14100"/>
-          <ac:spMkLst>
-            <pc:docMk/>
-            <pc:sldMk cId="2461271858" sldId="263"/>
-            <ac:spMk id="20" creationId="{AA7DD7E4-DA4A-4755-946D-28A2F2D85AEB}"/>
-          </ac:spMkLst>
-        </pc:spChg>
-        <pc:spChg chg="mod">
-          <ac:chgData name="Ilan Reiter" userId="e7e108c4d05ea0a8" providerId="LiveId" clId="{9F1D8E3D-2548-4E06-A7C3-9E4ED1A840E6}" dt="2018-11-18T15:38:08.934" v="2993" actId="1076"/>
-          <ac:spMkLst>
-            <pc:docMk/>
-            <pc:sldMk cId="2461271858" sldId="263"/>
-            <ac:spMk id="21" creationId="{8F9BFF94-AA00-4AA5-B07B-40E7D853D715}"/>
-          </ac:spMkLst>
-        </pc:spChg>
-        <pc:spChg chg="mod">
-          <ac:chgData name="Ilan Reiter" userId="e7e108c4d05ea0a8" providerId="LiveId" clId="{9F1D8E3D-2548-4E06-A7C3-9E4ED1A840E6}" dt="2018-11-18T15:31:43.736" v="2950" actId="1076"/>
-          <ac:spMkLst>
-            <pc:docMk/>
-            <pc:sldMk cId="2461271858" sldId="263"/>
-            <ac:spMk id="24" creationId="{7034B2AA-4CDF-4274-92DF-4E4C9834F3A9}"/>
-          </ac:spMkLst>
-        </pc:spChg>
-        <pc:spChg chg="mod">
-          <ac:chgData name="Ilan Reiter" userId="e7e108c4d05ea0a8" providerId="LiveId" clId="{9F1D8E3D-2548-4E06-A7C3-9E4ED1A840E6}" dt="2018-11-18T15:31:43.736" v="2950" actId="1076"/>
-          <ac:spMkLst>
-            <pc:docMk/>
-            <pc:sldMk cId="2461271858" sldId="263"/>
-            <ac:spMk id="26" creationId="{1ED2B816-72F1-4725-B7F5-567ABB5E1E69}"/>
-          </ac:spMkLst>
-        </pc:spChg>
-        <pc:spChg chg="mod">
-          <ac:chgData name="Ilan Reiter" userId="e7e108c4d05ea0a8" providerId="LiveId" clId="{9F1D8E3D-2548-4E06-A7C3-9E4ED1A840E6}" dt="2018-11-18T15:31:05.349" v="2944" actId="1076"/>
-          <ac:spMkLst>
-            <pc:docMk/>
-            <pc:sldMk cId="2461271858" sldId="263"/>
-            <ac:spMk id="28" creationId="{D7B44404-D1B0-490E-864D-25502C6536CE}"/>
-          </ac:spMkLst>
-        </pc:spChg>
-        <pc:spChg chg="add mod">
-          <ac:chgData name="Ilan Reiter" userId="e7e108c4d05ea0a8" providerId="LiveId" clId="{9F1D8E3D-2548-4E06-A7C3-9E4ED1A840E6}" dt="2018-11-18T15:38:24.168" v="2997" actId="1076"/>
-          <ac:spMkLst>
-            <pc:docMk/>
-            <pc:sldMk cId="2461271858" sldId="263"/>
-            <ac:spMk id="35" creationId="{32EBF37E-12AB-4937-9A9F-BA0DEF44EEAB}"/>
-          </ac:spMkLst>
-        </pc:spChg>
-        <pc:spChg chg="mod">
-          <ac:chgData name="Ilan Reiter" userId="e7e108c4d05ea0a8" providerId="LiveId" clId="{9F1D8E3D-2548-4E06-A7C3-9E4ED1A840E6}" dt="2018-11-18T15:31:29.491" v="2949" actId="1076"/>
-          <ac:spMkLst>
-            <pc:docMk/>
-            <pc:sldMk cId="2461271858" sldId="263"/>
-            <ac:spMk id="36" creationId="{1B6C7E8E-BDDA-4BA9-B476-6E97CAE41792}"/>
-          </ac:spMkLst>
-        </pc:spChg>
-        <pc:spChg chg="mod">
-          <ac:chgData name="Ilan Reiter" userId="e7e108c4d05ea0a8" providerId="LiveId" clId="{9F1D8E3D-2548-4E06-A7C3-9E4ED1A840E6}" dt="2018-11-18T15:31:43.736" v="2950" actId="1076"/>
-          <ac:spMkLst>
-            <pc:docMk/>
-            <pc:sldMk cId="2461271858" sldId="263"/>
-            <ac:spMk id="43" creationId="{CFE54C1A-DD12-4DDA-9F8A-37F42DC36047}"/>
-          </ac:spMkLst>
-        </pc:spChg>
-        <pc:spChg chg="mod">
-          <ac:chgData name="Ilan Reiter" userId="e7e108c4d05ea0a8" providerId="LiveId" clId="{9F1D8E3D-2548-4E06-A7C3-9E4ED1A840E6}" dt="2018-11-18T15:26:50.417" v="2938" actId="1076"/>
-          <ac:spMkLst>
-            <pc:docMk/>
-            <pc:sldMk cId="2461271858" sldId="263"/>
-            <ac:spMk id="47" creationId="{65DE60D8-C158-4683-BA85-AC4A58410BD4}"/>
-          </ac:spMkLst>
-        </pc:spChg>
-        <pc:spChg chg="mod">
-          <ac:chgData name="Ilan Reiter" userId="e7e108c4d05ea0a8" providerId="LiveId" clId="{9F1D8E3D-2548-4E06-A7C3-9E4ED1A840E6}" dt="2018-11-18T15:32:13.467" v="2953" actId="1076"/>
-          <ac:spMkLst>
-            <pc:docMk/>
-            <pc:sldMk cId="2461271858" sldId="263"/>
-            <ac:spMk id="51" creationId="{6E72BD22-0C63-491A-A0D5-9DEBCF94C920}"/>
-          </ac:spMkLst>
-        </pc:spChg>
-        <pc:spChg chg="add mod">
-          <ac:chgData name="Ilan Reiter" userId="e7e108c4d05ea0a8" providerId="LiveId" clId="{9F1D8E3D-2548-4E06-A7C3-9E4ED1A840E6}" dt="2018-11-18T15:16:27.326" v="2812" actId="6549"/>
-          <ac:spMkLst>
-            <pc:docMk/>
-            <pc:sldMk cId="2461271858" sldId="263"/>
-            <ac:spMk id="52" creationId="{819967D3-E542-409E-B212-0F45590C5578}"/>
-          </ac:spMkLst>
-        </pc:spChg>
-        <pc:spChg chg="mod">
-          <ac:chgData name="Ilan Reiter" userId="e7e108c4d05ea0a8" providerId="LiveId" clId="{9F1D8E3D-2548-4E06-A7C3-9E4ED1A840E6}" dt="2018-11-18T15:31:43.736" v="2950" actId="1076"/>
-          <ac:spMkLst>
-            <pc:docMk/>
-            <pc:sldMk cId="2461271858" sldId="263"/>
-            <ac:spMk id="54" creationId="{2B27BFFB-EA9D-4F84-96A9-72252D6A7C59}"/>
-          </ac:spMkLst>
-        </pc:spChg>
-        <pc:spChg chg="add mod">
-          <ac:chgData name="Ilan Reiter" userId="e7e108c4d05ea0a8" providerId="LiveId" clId="{9F1D8E3D-2548-4E06-A7C3-9E4ED1A840E6}" dt="2018-11-18T15:39:32.714" v="3004" actId="1076"/>
-          <ac:spMkLst>
-            <pc:docMk/>
-            <pc:sldMk cId="2461271858" sldId="263"/>
-            <ac:spMk id="55" creationId="{14EC6364-5E68-4F50-9546-AE2E453C1587}"/>
-          </ac:spMkLst>
-        </pc:spChg>
-        <pc:spChg chg="add mod ord">
-          <ac:chgData name="Ilan Reiter" userId="e7e108c4d05ea0a8" providerId="LiveId" clId="{9F1D8E3D-2548-4E06-A7C3-9E4ED1A840E6}" dt="2018-11-18T15:40:26.457" v="3009" actId="167"/>
-          <ac:spMkLst>
-            <pc:docMk/>
-            <pc:sldMk cId="2461271858" sldId="263"/>
-            <ac:spMk id="57" creationId="{07BAF5FF-7E3E-4652-8CC3-04F47E6ABBCD}"/>
-          </ac:spMkLst>
-        </pc:spChg>
-        <pc:spChg chg="add mod">
-          <ac:chgData name="Ilan Reiter" userId="e7e108c4d05ea0a8" providerId="LiveId" clId="{9F1D8E3D-2548-4E06-A7C3-9E4ED1A840E6}" dt="2018-11-18T15:37:13.427" v="2989" actId="11529"/>
-          <ac:spMkLst>
-            <pc:docMk/>
-            <pc:sldMk cId="2461271858" sldId="263"/>
-            <ac:spMk id="67" creationId="{C098B502-7B5F-4B26-BD0C-EE96DABAC8B3}"/>
-          </ac:spMkLst>
-        </pc:spChg>
-        <pc:spChg chg="del mod">
-          <ac:chgData name="Ilan Reiter" userId="e7e108c4d05ea0a8" providerId="LiveId" clId="{9F1D8E3D-2548-4E06-A7C3-9E4ED1A840E6}" dt="2018-11-18T15:25:17.969" v="2908" actId="478"/>
-          <ac:spMkLst>
-            <pc:docMk/>
-            <pc:sldMk cId="2461271858" sldId="263"/>
-            <ac:spMk id="69" creationId="{07F5BC22-33E2-4170-8F99-13426EDF24F6}"/>
-          </ac:spMkLst>
-        </pc:spChg>
-        <pc:spChg chg="add mod">
-          <ac:chgData name="Ilan Reiter" userId="e7e108c4d05ea0a8" providerId="LiveId" clId="{9F1D8E3D-2548-4E06-A7C3-9E4ED1A840E6}" dt="2018-11-18T15:35:46.520" v="2980" actId="1076"/>
-          <ac:spMkLst>
-            <pc:docMk/>
-            <pc:sldMk cId="2461271858" sldId="263"/>
-            <ac:spMk id="78" creationId="{DDE26063-4C28-4BAA-A173-E1671C0F45D0}"/>
-          </ac:spMkLst>
-        </pc:spChg>
-        <pc:spChg chg="add mod">
-          <ac:chgData name="Ilan Reiter" userId="e7e108c4d05ea0a8" providerId="LiveId" clId="{9F1D8E3D-2548-4E06-A7C3-9E4ED1A840E6}" dt="2018-11-18T15:36:27.482" v="2984" actId="1076"/>
-          <ac:spMkLst>
-            <pc:docMk/>
-            <pc:sldMk cId="2461271858" sldId="263"/>
-            <ac:spMk id="83" creationId="{1D1AA0F5-86E9-4F0C-AE80-4A9D23AABCA2}"/>
-          </ac:spMkLst>
-        </pc:spChg>
-        <pc:spChg chg="mod">
-          <ac:chgData name="Ilan Reiter" userId="e7e108c4d05ea0a8" providerId="LiveId" clId="{9F1D8E3D-2548-4E06-A7C3-9E4ED1A840E6}" dt="2018-11-18T15:26:24.977" v="2932" actId="1076"/>
-          <ac:spMkLst>
-            <pc:docMk/>
-            <pc:sldMk cId="2461271858" sldId="263"/>
-            <ac:spMk id="86" creationId="{F5D3A31C-040B-432B-A385-05D680318C7E}"/>
-          </ac:spMkLst>
-        </pc:spChg>
-        <pc:spChg chg="add mod">
-          <ac:chgData name="Ilan Reiter" userId="e7e108c4d05ea0a8" providerId="LiveId" clId="{9F1D8E3D-2548-4E06-A7C3-9E4ED1A840E6}" dt="2018-11-18T15:38:20.195" v="2995" actId="1076"/>
-          <ac:spMkLst>
-            <pc:docMk/>
-            <pc:sldMk cId="2461271858" sldId="263"/>
-            <ac:spMk id="89" creationId="{D43B377E-1874-4BAA-80A9-1DDE6AAA19B1}"/>
-          </ac:spMkLst>
-        </pc:spChg>
-        <pc:spChg chg="add mod">
-          <ac:chgData name="Ilan Reiter" userId="e7e108c4d05ea0a8" providerId="LiveId" clId="{9F1D8E3D-2548-4E06-A7C3-9E4ED1A840E6}" dt="2018-11-18T15:38:44.642" v="3001" actId="1076"/>
-          <ac:spMkLst>
-            <pc:docMk/>
-            <pc:sldMk cId="2461271858" sldId="263"/>
-            <ac:spMk id="90" creationId="{3BC69451-F6B0-41E0-A5DA-466BF326474A}"/>
-          </ac:spMkLst>
-        </pc:spChg>
-        <pc:spChg chg="mod">
-          <ac:chgData name="Ilan Reiter" userId="e7e108c4d05ea0a8" providerId="LiveId" clId="{9F1D8E3D-2548-4E06-A7C3-9E4ED1A840E6}" dt="2018-11-18T15:39:32.714" v="3004" actId="1076"/>
-          <ac:spMkLst>
-            <pc:docMk/>
-            <pc:sldMk cId="2461271858" sldId="263"/>
-            <ac:spMk id="93" creationId="{D4243E14-52D4-4F7D-B76D-2D000B5AEDC4}"/>
-          </ac:spMkLst>
-        </pc:spChg>
-        <pc:spChg chg="mod">
-          <ac:chgData name="Ilan Reiter" userId="e7e108c4d05ea0a8" providerId="LiveId" clId="{9F1D8E3D-2548-4E06-A7C3-9E4ED1A840E6}" dt="2018-11-18T15:26:24.977" v="2932" actId="1076"/>
-          <ac:spMkLst>
-            <pc:docMk/>
-            <pc:sldMk cId="2461271858" sldId="263"/>
-            <ac:spMk id="94" creationId="{8C41F9F7-A098-4D7A-B608-8576267F3CC5}"/>
-          </ac:spMkLst>
-        </pc:spChg>
-        <pc:spChg chg="mod">
-          <ac:chgData name="Ilan Reiter" userId="e7e108c4d05ea0a8" providerId="LiveId" clId="{9F1D8E3D-2548-4E06-A7C3-9E4ED1A840E6}" dt="2018-11-18T15:39:32.714" v="3004" actId="1076"/>
-          <ac:spMkLst>
-            <pc:docMk/>
-            <pc:sldMk cId="2461271858" sldId="263"/>
-            <ac:spMk id="95" creationId="{697B4146-0287-4CF6-BBC5-215E1D00340D}"/>
-          </ac:spMkLst>
-        </pc:spChg>
-        <pc:spChg chg="add mod">
-          <ac:chgData name="Ilan Reiter" userId="e7e108c4d05ea0a8" providerId="LiveId" clId="{9F1D8E3D-2548-4E06-A7C3-9E4ED1A840E6}" dt="2018-11-18T15:41:16.619" v="3020" actId="1076"/>
-          <ac:spMkLst>
-            <pc:docMk/>
-            <pc:sldMk cId="2461271858" sldId="263"/>
-            <ac:spMk id="99" creationId="{4535035A-8B74-44F5-9049-A6A2C5CC94A0}"/>
-          </ac:spMkLst>
-        </pc:spChg>
-        <pc:spChg chg="add mod">
-          <ac:chgData name="Ilan Reiter" userId="e7e108c4d05ea0a8" providerId="LiveId" clId="{9F1D8E3D-2548-4E06-A7C3-9E4ED1A840E6}" dt="2018-11-18T15:41:11.770" v="3019" actId="1076"/>
-          <ac:spMkLst>
-            <pc:docMk/>
-            <pc:sldMk cId="2461271858" sldId="263"/>
-            <ac:spMk id="101" creationId="{2D556FF3-9CB1-4F3E-9F56-10CA366F5B8F}"/>
-          </ac:spMkLst>
-        </pc:spChg>
-        <pc:spChg chg="add mod">
-          <ac:chgData name="Ilan Reiter" userId="e7e108c4d05ea0a8" providerId="LiveId" clId="{9F1D8E3D-2548-4E06-A7C3-9E4ED1A840E6}" dt="2018-11-18T15:41:06.853" v="3018" actId="1076"/>
-          <ac:spMkLst>
-            <pc:docMk/>
-            <pc:sldMk cId="2461271858" sldId="263"/>
-            <ac:spMk id="102" creationId="{B2696524-C168-4E63-98FB-49E6BB444996}"/>
-          </ac:spMkLst>
-        </pc:spChg>
-        <pc:spChg chg="add mod">
-          <ac:chgData name="Ilan Reiter" userId="e7e108c4d05ea0a8" providerId="LiveId" clId="{9F1D8E3D-2548-4E06-A7C3-9E4ED1A840E6}" dt="2018-11-18T15:41:27.453" v="3021" actId="1076"/>
-          <ac:spMkLst>
-            <pc:docMk/>
-            <pc:sldMk cId="2461271858" sldId="263"/>
-            <ac:spMk id="103" creationId="{744C0E0B-128F-4D35-9A16-6864F0941422}"/>
-          </ac:spMkLst>
-        </pc:spChg>
-        <pc:spChg chg="add mod">
-          <ac:chgData name="Ilan Reiter" userId="e7e108c4d05ea0a8" providerId="LiveId" clId="{9F1D8E3D-2548-4E06-A7C3-9E4ED1A840E6}" dt="2018-11-18T15:41:02.500" v="3017" actId="1076"/>
-          <ac:spMkLst>
-            <pc:docMk/>
-            <pc:sldMk cId="2461271858" sldId="263"/>
-            <ac:spMk id="104" creationId="{340E4729-B1BA-4546-AB9A-F134FB4755FA}"/>
-          </ac:spMkLst>
-        </pc:spChg>
-        <pc:spChg chg="add mod">
-          <ac:chgData name="Ilan Reiter" userId="e7e108c4d05ea0a8" providerId="LiveId" clId="{9F1D8E3D-2548-4E06-A7C3-9E4ED1A840E6}" dt="2018-11-18T15:41:37.237" v="3023" actId="1076"/>
-          <ac:spMkLst>
-            <pc:docMk/>
-            <pc:sldMk cId="2461271858" sldId="263"/>
-            <ac:spMk id="105" creationId="{00CA6A88-E85D-41DF-B4CC-7AD26166D86A}"/>
-          </ac:spMkLst>
-        </pc:spChg>
-        <pc:spChg chg="mod">
-          <ac:chgData name="Ilan Reiter" userId="e7e108c4d05ea0a8" providerId="LiveId" clId="{9F1D8E3D-2548-4E06-A7C3-9E4ED1A840E6}" dt="2018-11-18T15:31:05.349" v="2944" actId="1076"/>
-          <ac:spMkLst>
-            <pc:docMk/>
-            <pc:sldMk cId="2461271858" sldId="263"/>
-            <ac:spMk id="110" creationId="{225780D3-5F71-409A-9BCC-74557C888EC3}"/>
-          </ac:spMkLst>
-        </pc:spChg>
-        <pc:spChg chg="add mod">
-          <ac:chgData name="Ilan Reiter" userId="e7e108c4d05ea0a8" providerId="LiveId" clId="{9F1D8E3D-2548-4E06-A7C3-9E4ED1A840E6}" dt="2018-11-18T15:54:39.399" v="3034" actId="1076"/>
-          <ac:spMkLst>
-            <pc:docMk/>
-            <pc:sldMk cId="2461271858" sldId="263"/>
-            <ac:spMk id="113" creationId="{822B417E-DBFA-4DC6-B4EE-3DFAEA06A1C0}"/>
-          </ac:spMkLst>
-        </pc:spChg>
-        <pc:spChg chg="mod ord">
-          <ac:chgData name="Ilan Reiter" userId="e7e108c4d05ea0a8" providerId="LiveId" clId="{9F1D8E3D-2548-4E06-A7C3-9E4ED1A840E6}" dt="2018-11-18T15:56:11.252" v="3039" actId="166"/>
-          <ac:spMkLst>
-            <pc:docMk/>
-            <pc:sldMk cId="2461271858" sldId="263"/>
-            <ac:spMk id="137" creationId="{B107BE01-5A9C-4857-AC99-3129634D466F}"/>
-          </ac:spMkLst>
-        </pc:spChg>
-        <pc:spChg chg="mod">
-          <ac:chgData name="Ilan Reiter" userId="e7e108c4d05ea0a8" providerId="LiveId" clId="{9F1D8E3D-2548-4E06-A7C3-9E4ED1A840E6}" dt="2018-11-18T15:31:43.736" v="2950" actId="1076"/>
-          <ac:spMkLst>
-            <pc:docMk/>
-            <pc:sldMk cId="2461271858" sldId="263"/>
-            <ac:spMk id="138" creationId="{C8D047E9-FD55-4B1E-816F-790F8EA78D0E}"/>
-          </ac:spMkLst>
-        </pc:spChg>
-        <pc:cxnChg chg="mod">
-          <ac:chgData name="Ilan Reiter" userId="e7e108c4d05ea0a8" providerId="LiveId" clId="{9F1D8E3D-2548-4E06-A7C3-9E4ED1A840E6}" dt="2018-11-18T15:31:43.736" v="2950" actId="1076"/>
-          <ac:cxnSpMkLst>
-            <pc:docMk/>
-            <pc:sldMk cId="2461271858" sldId="263"/>
-            <ac:cxnSpMk id="30" creationId="{858E6445-F177-4130-9BA4-318EC356FE9D}"/>
-          </ac:cxnSpMkLst>
-        </pc:cxnChg>
-        <pc:cxnChg chg="add mod">
-          <ac:chgData name="Ilan Reiter" userId="e7e108c4d05ea0a8" providerId="LiveId" clId="{9F1D8E3D-2548-4E06-A7C3-9E4ED1A840E6}" dt="2018-11-18T15:30:44.964" v="2943" actId="14100"/>
-          <ac:cxnSpMkLst>
-            <pc:docMk/>
-            <pc:sldMk cId="2461271858" sldId="263"/>
-            <ac:cxnSpMk id="38" creationId="{316C7978-492C-4C6C-83A7-15E0D1BA3FE0}"/>
-          </ac:cxnSpMkLst>
-        </pc:cxnChg>
-        <pc:cxnChg chg="add del mod">
-          <ac:chgData name="Ilan Reiter" userId="e7e108c4d05ea0a8" providerId="LiveId" clId="{9F1D8E3D-2548-4E06-A7C3-9E4ED1A840E6}" dt="2018-11-18T15:33:58.379" v="2967" actId="478"/>
-          <ac:cxnSpMkLst>
-            <pc:docMk/>
-            <pc:sldMk cId="2461271858" sldId="263"/>
-            <ac:cxnSpMk id="42" creationId="{4492E7FF-664C-42FD-B1F7-7AECA71AB0F2}"/>
-          </ac:cxnSpMkLst>
-        </pc:cxnChg>
-        <pc:cxnChg chg="add mod ord">
-          <ac:chgData name="Ilan Reiter" userId="e7e108c4d05ea0a8" providerId="LiveId" clId="{9F1D8E3D-2548-4E06-A7C3-9E4ED1A840E6}" dt="2018-11-18T15:34:16.860" v="2970" actId="167"/>
-          <ac:cxnSpMkLst>
-            <pc:docMk/>
-            <pc:sldMk cId="2461271858" sldId="263"/>
-            <ac:cxnSpMk id="45" creationId="{1A1287E0-FC73-4E8A-B9BF-9F2D399D3D90}"/>
-          </ac:cxnSpMkLst>
-        </pc:cxnChg>
-        <pc:cxnChg chg="add del mod">
-          <ac:chgData name="Ilan Reiter" userId="e7e108c4d05ea0a8" providerId="LiveId" clId="{9F1D8E3D-2548-4E06-A7C3-9E4ED1A840E6}" dt="2018-11-18T15:34:51.247" v="2973" actId="478"/>
-          <ac:cxnSpMkLst>
-            <pc:docMk/>
-            <pc:sldMk cId="2461271858" sldId="263"/>
-            <ac:cxnSpMk id="49" creationId="{2B7C191A-C33E-49AB-8140-A3AFF3ED9282}"/>
-          </ac:cxnSpMkLst>
-        </pc:cxnChg>
-        <pc:cxnChg chg="add mod">
-          <ac:chgData name="Ilan Reiter" userId="e7e108c4d05ea0a8" providerId="LiveId" clId="{9F1D8E3D-2548-4E06-A7C3-9E4ED1A840E6}" dt="2018-11-18T15:35:29.668" v="2977" actId="14100"/>
-          <ac:cxnSpMkLst>
-            <pc:docMk/>
-            <pc:sldMk cId="2461271858" sldId="263"/>
-            <ac:cxnSpMk id="53" creationId="{F5386066-ADFC-4B12-B23A-EB71AFDD8EE3}"/>
-          </ac:cxnSpMkLst>
-        </pc:cxnChg>
-        <pc:cxnChg chg="del mod">
-          <ac:chgData name="Ilan Reiter" userId="e7e108c4d05ea0a8" providerId="LiveId" clId="{9F1D8E3D-2548-4E06-A7C3-9E4ED1A840E6}" dt="2018-11-18T15:31:52.689" v="2952" actId="478"/>
-          <ac:cxnSpMkLst>
-            <pc:docMk/>
-            <pc:sldMk cId="2461271858" sldId="263"/>
-            <ac:cxnSpMk id="56" creationId="{E28872EF-6BBD-4830-A6CE-08453F5813D4}"/>
-          </ac:cxnSpMkLst>
-        </pc:cxnChg>
-        <pc:cxnChg chg="add mod">
-          <ac:chgData name="Ilan Reiter" userId="e7e108c4d05ea0a8" providerId="LiveId" clId="{9F1D8E3D-2548-4E06-A7C3-9E4ED1A840E6}" dt="2018-11-18T15:35:52.224" v="2981" actId="14100"/>
-          <ac:cxnSpMkLst>
-            <pc:docMk/>
-            <pc:sldMk cId="2461271858" sldId="263"/>
-            <ac:cxnSpMk id="60" creationId="{783B7690-124A-4996-AC91-7AF4304A3BC8}"/>
-          </ac:cxnSpMkLst>
-        </pc:cxnChg>
-        <pc:cxnChg chg="add mod">
-          <ac:chgData name="Ilan Reiter" userId="e7e108c4d05ea0a8" providerId="LiveId" clId="{9F1D8E3D-2548-4E06-A7C3-9E4ED1A840E6}" dt="2018-11-18T15:37:24.665" v="2991" actId="14100"/>
-          <ac:cxnSpMkLst>
-            <pc:docMk/>
-            <pc:sldMk cId="2461271858" sldId="263"/>
-            <ac:cxnSpMk id="63" creationId="{A686B678-7026-4248-83DB-E4E64B79F2E2}"/>
-          </ac:cxnSpMkLst>
-        </pc:cxnChg>
-        <pc:cxnChg chg="add mod">
-          <ac:chgData name="Ilan Reiter" userId="e7e108c4d05ea0a8" providerId="LiveId" clId="{9F1D8E3D-2548-4E06-A7C3-9E4ED1A840E6}" dt="2018-11-18T15:49:13.284" v="3029" actId="14100"/>
-          <ac:cxnSpMkLst>
-            <pc:docMk/>
-            <pc:sldMk cId="2461271858" sldId="263"/>
-            <ac:cxnSpMk id="72" creationId="{33D5A348-57C2-4D9C-AA5B-A89C50DBEE23}"/>
-          </ac:cxnSpMkLst>
-        </pc:cxnChg>
-        <pc:cxnChg chg="add mod">
-          <ac:chgData name="Ilan Reiter" userId="e7e108c4d05ea0a8" providerId="LiveId" clId="{9F1D8E3D-2548-4E06-A7C3-9E4ED1A840E6}" dt="2018-11-18T15:39:40.914" v="3005" actId="11529"/>
-          <ac:cxnSpMkLst>
-            <pc:docMk/>
-            <pc:sldMk cId="2461271858" sldId="263"/>
-            <ac:cxnSpMk id="75" creationId="{59BF3AAA-F0FD-4242-805D-CE8DBE1A8A8B}"/>
-          </ac:cxnSpMkLst>
-        </pc:cxnChg>
-        <pc:cxnChg chg="add mod ord">
-          <ac:chgData name="Ilan Reiter" userId="e7e108c4d05ea0a8" providerId="LiveId" clId="{9F1D8E3D-2548-4E06-A7C3-9E4ED1A840E6}" dt="2018-11-18T15:42:45.551" v="3025" actId="14100"/>
-          <ac:cxnSpMkLst>
-            <pc:docMk/>
-            <pc:sldMk cId="2461271858" sldId="263"/>
-            <ac:cxnSpMk id="77" creationId="{56BA8319-6355-4319-B553-2A9F174D2CE0}"/>
-          </ac:cxnSpMkLst>
-        </pc:cxnChg>
-        <pc:cxnChg chg="del mod">
-          <ac:chgData name="Ilan Reiter" userId="e7e108c4d05ea0a8" providerId="LiveId" clId="{9F1D8E3D-2548-4E06-A7C3-9E4ED1A840E6}" dt="2018-11-18T15:23:58.007" v="2897" actId="478"/>
-          <ac:cxnSpMkLst>
-            <pc:docMk/>
-            <pc:sldMk cId="2461271858" sldId="263"/>
-            <ac:cxnSpMk id="82" creationId="{7D09E2DE-B073-4790-9E50-F2D77E11B752}"/>
-          </ac:cxnSpMkLst>
-        </pc:cxnChg>
-        <pc:cxnChg chg="add mod">
-          <ac:chgData name="Ilan Reiter" userId="e7e108c4d05ea0a8" providerId="LiveId" clId="{9F1D8E3D-2548-4E06-A7C3-9E4ED1A840E6}" dt="2018-11-18T15:54:11.165" v="3031" actId="208"/>
-          <ac:cxnSpMkLst>
-            <pc:docMk/>
-            <pc:sldMk cId="2461271858" sldId="263"/>
-            <ac:cxnSpMk id="92" creationId="{6BCD9369-4C52-4042-BC5D-CA478CF817DE}"/>
-          </ac:cxnSpMkLst>
-        </pc:cxnChg>
-        <pc:cxnChg chg="del mod">
-          <ac:chgData name="Ilan Reiter" userId="e7e108c4d05ea0a8" providerId="LiveId" clId="{9F1D8E3D-2548-4E06-A7C3-9E4ED1A840E6}" dt="2018-11-18T15:16:58.828" v="2816" actId="478"/>
-          <ac:cxnSpMkLst>
-            <pc:docMk/>
-            <pc:sldMk cId="2461271858" sldId="263"/>
-            <ac:cxnSpMk id="97" creationId="{2B22C185-7D4E-4156-88B3-17DFDA9CCD61}"/>
-          </ac:cxnSpMkLst>
-        </pc:cxnChg>
-        <pc:cxnChg chg="add mod">
-          <ac:chgData name="Ilan Reiter" userId="e7e108c4d05ea0a8" providerId="LiveId" clId="{9F1D8E3D-2548-4E06-A7C3-9E4ED1A840E6}" dt="2018-11-18T15:56:02.436" v="3038" actId="14100"/>
-          <ac:cxnSpMkLst>
-            <pc:docMk/>
-            <pc:sldMk cId="2461271858" sldId="263"/>
-            <ac:cxnSpMk id="98" creationId="{655171E9-0D4A-4BA1-B3D5-5845D03A280A}"/>
-          </ac:cxnSpMkLst>
-        </pc:cxnChg>
-        <pc:cxnChg chg="del mod">
-          <ac:chgData name="Ilan Reiter" userId="e7e108c4d05ea0a8" providerId="LiveId" clId="{9F1D8E3D-2548-4E06-A7C3-9E4ED1A840E6}" dt="2018-11-18T15:17:54.155" v="2825" actId="478"/>
-          <ac:cxnSpMkLst>
-            <pc:docMk/>
-            <pc:sldMk cId="2461271858" sldId="263"/>
-            <ac:cxnSpMk id="100" creationId="{F7546DD9-E794-4607-8FC4-0EFC3CABE086}"/>
-          </ac:cxnSpMkLst>
-        </pc:cxnChg>
-        <pc:cxnChg chg="del mod">
-          <ac:chgData name="Ilan Reiter" userId="e7e108c4d05ea0a8" providerId="LiveId" clId="{9F1D8E3D-2548-4E06-A7C3-9E4ED1A840E6}" dt="2018-11-18T15:17:51.312" v="2824" actId="478"/>
-          <ac:cxnSpMkLst>
-            <pc:docMk/>
-            <pc:sldMk cId="2461271858" sldId="263"/>
-            <ac:cxnSpMk id="106" creationId="{F39FAB72-E7C1-46E7-854D-30F9B5A92F94}"/>
-          </ac:cxnSpMkLst>
-        </pc:cxnChg>
-        <pc:cxnChg chg="del mod">
-          <ac:chgData name="Ilan Reiter" userId="e7e108c4d05ea0a8" providerId="LiveId" clId="{9F1D8E3D-2548-4E06-A7C3-9E4ED1A840E6}" dt="2018-11-18T15:17:47.668" v="2822" actId="478"/>
-          <ac:cxnSpMkLst>
-            <pc:docMk/>
-            <pc:sldMk cId="2461271858" sldId="263"/>
-            <ac:cxnSpMk id="109" creationId="{E54C8F3B-0DD0-48B9-A545-E3530E60A420}"/>
-          </ac:cxnSpMkLst>
-        </pc:cxnChg>
-        <pc:cxnChg chg="del mod">
-          <ac:chgData name="Ilan Reiter" userId="e7e108c4d05ea0a8" providerId="LiveId" clId="{9F1D8E3D-2548-4E06-A7C3-9E4ED1A840E6}" dt="2018-11-18T15:15:46.970" v="2799" actId="478"/>
-          <ac:cxnSpMkLst>
-            <pc:docMk/>
-            <pc:sldMk cId="2461271858" sldId="263"/>
-            <ac:cxnSpMk id="116" creationId="{5EC43DC0-686F-4649-B7AA-2F683C531522}"/>
-          </ac:cxnSpMkLst>
-        </pc:cxnChg>
-        <pc:cxnChg chg="del mod">
-          <ac:chgData name="Ilan Reiter" userId="e7e108c4d05ea0a8" providerId="LiveId" clId="{9F1D8E3D-2548-4E06-A7C3-9E4ED1A840E6}" dt="2018-11-18T15:17:02.667" v="2817" actId="478"/>
-          <ac:cxnSpMkLst>
-            <pc:docMk/>
-            <pc:sldMk cId="2461271858" sldId="263"/>
-            <ac:cxnSpMk id="125" creationId="{6B1E3014-24D3-4C96-8AD8-57797B5D6533}"/>
-          </ac:cxnSpMkLst>
-        </pc:cxnChg>
-        <pc:cxnChg chg="del">
-          <ac:chgData name="Ilan Reiter" userId="e7e108c4d05ea0a8" providerId="LiveId" clId="{9F1D8E3D-2548-4E06-A7C3-9E4ED1A840E6}" dt="2018-11-18T15:17:50.194" v="2823" actId="478"/>
-          <ac:cxnSpMkLst>
-            <pc:docMk/>
-            <pc:sldMk cId="2461271858" sldId="263"/>
-            <ac:cxnSpMk id="141" creationId="{BC99767E-4723-4A0F-AA6D-CD927256CF40}"/>
-          </ac:cxnSpMkLst>
-        </pc:cxnChg>
-        <pc:cxnChg chg="del mod">
-          <ac:chgData name="Ilan Reiter" userId="e7e108c4d05ea0a8" providerId="LiveId" clId="{9F1D8E3D-2548-4E06-A7C3-9E4ED1A840E6}" dt="2018-11-18T15:20:16.490" v="2857" actId="478"/>
-          <ac:cxnSpMkLst>
-            <pc:docMk/>
-            <pc:sldMk cId="2461271858" sldId="263"/>
-            <ac:cxnSpMk id="145" creationId="{99C65B19-7A2B-4D62-A1D1-DFB64A43B110}"/>
-          </ac:cxnSpMkLst>
-        </pc:cxnChg>
-      </pc:sldChg>
-      <pc:sldChg chg="modSp add del">
-        <pc:chgData name="Ilan Reiter" userId="e7e108c4d05ea0a8" providerId="LiveId" clId="{9F1D8E3D-2548-4E06-A7C3-9E4ED1A840E6}" dt="2018-11-18T21:01:29.433" v="3883" actId="2696"/>
-        <pc:sldMkLst>
-          <pc:docMk/>
-          <pc:sldMk cId="3794877160" sldId="264"/>
-        </pc:sldMkLst>
-        <pc:spChg chg="mod">
-          <ac:chgData name="Ilan Reiter" userId="e7e108c4d05ea0a8" providerId="LiveId" clId="{9F1D8E3D-2548-4E06-A7C3-9E4ED1A840E6}" dt="2018-11-18T15:58:16.188" v="3041" actId="14100"/>
-          <ac:spMkLst>
-            <pc:docMk/>
-            <pc:sldMk cId="3794877160" sldId="264"/>
-            <ac:spMk id="57" creationId="{07BAF5FF-7E3E-4652-8CC3-04F47E6ABBCD}"/>
-          </ac:spMkLst>
-        </pc:spChg>
-      </pc:sldChg>
       <pc:sldChg chg="addSp delSp modSp add mod">
-        <pc:chgData name="Ilan Reiter" userId="e7e108c4d05ea0a8" providerId="LiveId" clId="{9F1D8E3D-2548-4E06-A7C3-9E4ED1A840E6}" dt="2018-11-18T21:38:09.264" v="4121" actId="27918"/>
+        <pc:chgData name="Ilan Reiter" userId="e7e108c4d05ea0a8" providerId="LiveId" clId="{9F1D8E3D-2548-4E06-A7C3-9E4ED1A840E6}" dt="2018-11-21T00:08:05.169" v="4162" actId="5793"/>
         <pc:sldMkLst>
           <pc:docMk/>
           <pc:sldMk cId="3142464946" sldId="265"/>
@@ -2581,6 +1496,14 @@
             <ac:spMk id="15" creationId="{2653DA16-5EDA-449B-9923-E3B49ECD484A}"/>
           </ac:spMkLst>
         </pc:spChg>
+        <pc:spChg chg="add mod">
+          <ac:chgData name="Ilan Reiter" userId="e7e108c4d05ea0a8" providerId="LiveId" clId="{9F1D8E3D-2548-4E06-A7C3-9E4ED1A840E6}" dt="2018-11-21T00:05:43.044" v="4141" actId="11529"/>
+          <ac:spMkLst>
+            <pc:docMk/>
+            <pc:sldMk cId="3142464946" sldId="265"/>
+            <ac:spMk id="16" creationId="{9C0CDF6E-BE25-40D6-B1E0-5A827A150209}"/>
+          </ac:spMkLst>
+        </pc:spChg>
         <pc:spChg chg="add del mod">
           <ac:chgData name="Ilan Reiter" userId="e7e108c4d05ea0a8" providerId="LiveId" clId="{9F1D8E3D-2548-4E06-A7C3-9E4ED1A840E6}" dt="2018-11-18T19:45:13.269" v="3379" actId="478"/>
           <ac:spMkLst>
@@ -2662,7 +1585,7 @@
           </ac:spMkLst>
         </pc:spChg>
         <pc:spChg chg="add mod ord">
-          <ac:chgData name="Ilan Reiter" userId="e7e108c4d05ea0a8" providerId="LiveId" clId="{9F1D8E3D-2548-4E06-A7C3-9E4ED1A840E6}" dt="2018-11-18T21:10:34.167" v="4057" actId="1076"/>
+          <ac:chgData name="Ilan Reiter" userId="e7e108c4d05ea0a8" providerId="LiveId" clId="{9F1D8E3D-2548-4E06-A7C3-9E4ED1A840E6}" dt="2018-11-21T00:04:30.921" v="4131" actId="14100"/>
           <ac:spMkLst>
             <pc:docMk/>
             <pc:sldMk cId="3142464946" sldId="265"/>
@@ -2670,7 +1593,7 @@
           </ac:spMkLst>
         </pc:spChg>
         <pc:spChg chg="add mod">
-          <ac:chgData name="Ilan Reiter" userId="e7e108c4d05ea0a8" providerId="LiveId" clId="{9F1D8E3D-2548-4E06-A7C3-9E4ED1A840E6}" dt="2018-11-18T21:05:06.487" v="3930" actId="1076"/>
+          <ac:chgData name="Ilan Reiter" userId="e7e108c4d05ea0a8" providerId="LiveId" clId="{9F1D8E3D-2548-4E06-A7C3-9E4ED1A840E6}" dt="2018-11-21T00:07:39.493" v="4158" actId="20577"/>
           <ac:spMkLst>
             <pc:docMk/>
             <pc:sldMk cId="3142464946" sldId="265"/>
@@ -2838,6 +1761,22 @@
           </ac:spMkLst>
         </pc:spChg>
         <pc:spChg chg="add mod">
+          <ac:chgData name="Ilan Reiter" userId="e7e108c4d05ea0a8" providerId="LiveId" clId="{9F1D8E3D-2548-4E06-A7C3-9E4ED1A840E6}" dt="2018-11-21T00:04:57.033" v="4140" actId="20577"/>
+          <ac:spMkLst>
+            <pc:docMk/>
+            <pc:sldMk cId="3142464946" sldId="265"/>
+            <ac:spMk id="94" creationId="{563CB23B-E4D3-4FD1-B3B5-928B09B0ABB3}"/>
+          </ac:spMkLst>
+        </pc:spChg>
+        <pc:spChg chg="add mod">
+          <ac:chgData name="Ilan Reiter" userId="e7e108c4d05ea0a8" providerId="LiveId" clId="{9F1D8E3D-2548-4E06-A7C3-9E4ED1A840E6}" dt="2018-11-21T00:06:07.760" v="4149" actId="1076"/>
+          <ac:spMkLst>
+            <pc:docMk/>
+            <pc:sldMk cId="3142464946" sldId="265"/>
+            <ac:spMk id="96" creationId="{05FDC661-CC10-4888-8917-6BB686FB6F7C}"/>
+          </ac:spMkLst>
+        </pc:spChg>
+        <pc:spChg chg="add mod">
           <ac:chgData name="Ilan Reiter" userId="e7e108c4d05ea0a8" providerId="LiveId" clId="{9F1D8E3D-2548-4E06-A7C3-9E4ED1A840E6}" dt="2018-11-18T20:33:33.848" v="3641" actId="1076"/>
           <ac:spMkLst>
             <pc:docMk/>
@@ -2846,11 +1785,67 @@
           </ac:spMkLst>
         </pc:spChg>
         <pc:spChg chg="add mod">
-          <ac:chgData name="Ilan Reiter" userId="e7e108c4d05ea0a8" providerId="LiveId" clId="{9F1D8E3D-2548-4E06-A7C3-9E4ED1A840E6}" dt="2018-11-18T20:31:24.575" v="3609" actId="108"/>
+          <ac:chgData name="Ilan Reiter" userId="e7e108c4d05ea0a8" providerId="LiveId" clId="{9F1D8E3D-2548-4E06-A7C3-9E4ED1A840E6}" dt="2018-11-21T00:06:36.370" v="4152" actId="1076"/>
+          <ac:spMkLst>
+            <pc:docMk/>
+            <pc:sldMk cId="3142464946" sldId="265"/>
+            <ac:spMk id="99" creationId="{D8A3F55F-C55E-4591-952F-531F0667ADD0}"/>
+          </ac:spMkLst>
+        </pc:spChg>
+        <pc:spChg chg="add mod">
+          <ac:chgData name="Ilan Reiter" userId="e7e108c4d05ea0a8" providerId="LiveId" clId="{9F1D8E3D-2548-4E06-A7C3-9E4ED1A840E6}" dt="2018-11-21T00:06:22.464" v="4151" actId="1076"/>
+          <ac:spMkLst>
+            <pc:docMk/>
+            <pc:sldMk cId="3142464946" sldId="265"/>
+            <ac:spMk id="100" creationId="{C031F20D-8353-49B3-8A69-57E598D3C2F4}"/>
+          </ac:spMkLst>
+        </pc:spChg>
+        <pc:spChg chg="add mod">
+          <ac:chgData name="Ilan Reiter" userId="e7e108c4d05ea0a8" providerId="LiveId" clId="{9F1D8E3D-2548-4E06-A7C3-9E4ED1A840E6}" dt="2018-11-21T00:06:13.070" v="4150" actId="1076"/>
+          <ac:spMkLst>
+            <pc:docMk/>
+            <pc:sldMk cId="3142464946" sldId="265"/>
+            <ac:spMk id="101" creationId="{3F44F342-5F88-45EA-8F54-6BF59685B579}"/>
+          </ac:spMkLst>
+        </pc:spChg>
+        <pc:spChg chg="add mod">
+          <ac:chgData name="Ilan Reiter" userId="e7e108c4d05ea0a8" providerId="LiveId" clId="{9F1D8E3D-2548-4E06-A7C3-9E4ED1A840E6}" dt="2018-11-21T00:07:56.549" v="4160" actId="1076"/>
+          <ac:spMkLst>
+            <pc:docMk/>
+            <pc:sldMk cId="3142464946" sldId="265"/>
+            <ac:spMk id="102" creationId="{3C17D889-A827-4D1D-B577-B6A1611DC870}"/>
+          </ac:spMkLst>
+        </pc:spChg>
+        <pc:spChg chg="add mod">
+          <ac:chgData name="Ilan Reiter" userId="e7e108c4d05ea0a8" providerId="LiveId" clId="{9F1D8E3D-2548-4E06-A7C3-9E4ED1A840E6}" dt="2018-11-21T00:07:56.549" v="4160" actId="1076"/>
+          <ac:spMkLst>
+            <pc:docMk/>
+            <pc:sldMk cId="3142464946" sldId="265"/>
+            <ac:spMk id="103" creationId="{91B8F826-42BF-4CC0-98D6-E2E0972BE42E}"/>
+          </ac:spMkLst>
+        </pc:spChg>
+        <pc:spChg chg="add mod">
+          <ac:chgData name="Ilan Reiter" userId="e7e108c4d05ea0a8" providerId="LiveId" clId="{9F1D8E3D-2548-4E06-A7C3-9E4ED1A840E6}" dt="2018-11-21T00:07:56.549" v="4160" actId="1076"/>
+          <ac:spMkLst>
+            <pc:docMk/>
+            <pc:sldMk cId="3142464946" sldId="265"/>
+            <ac:spMk id="104" creationId="{16F7F9B3-2909-4031-9608-EAEB8D1C8756}"/>
+          </ac:spMkLst>
+        </pc:spChg>
+        <pc:spChg chg="add mod">
+          <ac:chgData name="Ilan Reiter" userId="e7e108c4d05ea0a8" providerId="LiveId" clId="{9F1D8E3D-2548-4E06-A7C3-9E4ED1A840E6}" dt="2018-11-21T00:04:42.249" v="4134" actId="14100"/>
           <ac:spMkLst>
             <pc:docMk/>
             <pc:sldMk cId="3142464946" sldId="265"/>
             <ac:spMk id="105" creationId="{46B28B19-EFA1-41E2-B3F2-66489A95148A}"/>
+          </ac:spMkLst>
+        </pc:spChg>
+        <pc:spChg chg="add mod">
+          <ac:chgData name="Ilan Reiter" userId="e7e108c4d05ea0a8" providerId="LiveId" clId="{9F1D8E3D-2548-4E06-A7C3-9E4ED1A840E6}" dt="2018-11-21T00:08:05.169" v="4162" actId="5793"/>
+          <ac:spMkLst>
+            <pc:docMk/>
+            <pc:sldMk cId="3142464946" sldId="265"/>
+            <ac:spMk id="106" creationId="{D1593099-8B0D-4AFA-8D61-D050B021D8C2}"/>
           </ac:spMkLst>
         </pc:spChg>
         <pc:spChg chg="add mod">
@@ -3046,7 +2041,7 @@
           </ac:spMkLst>
         </pc:spChg>
         <pc:spChg chg="add mod">
-          <ac:chgData name="Ilan Reiter" userId="e7e108c4d05ea0a8" providerId="LiveId" clId="{9F1D8E3D-2548-4E06-A7C3-9E4ED1A840E6}" dt="2018-11-18T21:11:39.912" v="4069" actId="1076"/>
+          <ac:chgData name="Ilan Reiter" userId="e7e108c4d05ea0a8" providerId="LiveId" clId="{9F1D8E3D-2548-4E06-A7C3-9E4ED1A840E6}" dt="2018-11-21T00:07:02.576" v="4154" actId="113"/>
           <ac:spMkLst>
             <pc:docMk/>
             <pc:sldMk cId="3142464946" sldId="265"/>
@@ -3054,7 +2049,7 @@
           </ac:spMkLst>
         </pc:spChg>
         <pc:spChg chg="add mod">
-          <ac:chgData name="Ilan Reiter" userId="e7e108c4d05ea0a8" providerId="LiveId" clId="{9F1D8E3D-2548-4E06-A7C3-9E4ED1A840E6}" dt="2018-11-18T21:12:04.673" v="4077" actId="313"/>
+          <ac:chgData name="Ilan Reiter" userId="e7e108c4d05ea0a8" providerId="LiveId" clId="{9F1D8E3D-2548-4E06-A7C3-9E4ED1A840E6}" dt="2018-11-21T00:07:05.160" v="4155" actId="113"/>
           <ac:spMkLst>
             <pc:docMk/>
             <pc:sldMk cId="3142464946" sldId="265"/>
@@ -3086,6 +2081,14 @@
           </ac:graphicFrameMkLst>
         </pc:graphicFrameChg>
         <pc:cxnChg chg="add mod">
+          <ac:chgData name="Ilan Reiter" userId="e7e108c4d05ea0a8" providerId="LiveId" clId="{9F1D8E3D-2548-4E06-A7C3-9E4ED1A840E6}" dt="2018-11-21T00:05:59.932" v="4148" actId="1076"/>
+          <ac:cxnSpMkLst>
+            <pc:docMk/>
+            <pc:sldMk cId="3142464946" sldId="265"/>
+            <ac:cxnSpMk id="13" creationId="{25DD63BF-485A-4CC0-9EE7-DE82FC6CA5C9}"/>
+          </ac:cxnSpMkLst>
+        </pc:cxnChg>
+        <pc:cxnChg chg="add mod">
           <ac:chgData name="Ilan Reiter" userId="e7e108c4d05ea0a8" providerId="LiveId" clId="{9F1D8E3D-2548-4E06-A7C3-9E4ED1A840E6}" dt="2018-11-18T20:13:54.147" v="3431" actId="14100"/>
           <ac:cxnSpMkLst>
             <pc:docMk/>
@@ -3181,8 +2184,8 @@
             <ac:cxnSpMk id="85" creationId="{9398B3CA-C7E4-4B64-ACB9-2BA254E72EA4}"/>
           </ac:cxnSpMkLst>
         </pc:cxnChg>
-        <pc:cxnChg chg="add mod">
-          <ac:chgData name="Ilan Reiter" userId="e7e108c4d05ea0a8" providerId="LiveId" clId="{9F1D8E3D-2548-4E06-A7C3-9E4ED1A840E6}" dt="2018-11-18T20:20:26.949" v="3500" actId="108"/>
+        <pc:cxnChg chg="add mod ord">
+          <ac:chgData name="Ilan Reiter" userId="e7e108c4d05ea0a8" providerId="LiveId" clId="{9F1D8E3D-2548-4E06-A7C3-9E4ED1A840E6}" dt="2018-11-21T00:06:50.411" v="4153" actId="167"/>
           <ac:cxnSpMkLst>
             <pc:docMk/>
             <pc:sldMk cId="3142464946" sldId="265"/>
@@ -9134,7 +8137,7 @@
           <a:p>
             <a:fld id="{6D6286AB-E04B-4291-82EC-03658E7008C5}" type="datetimeFigureOut">
               <a:rPr lang="en-US" smtClean="0"/>
-              <a:t>11/3/2018</a:t>
+              <a:t>11/18/2018</a:t>
             </a:fld>
             <a:endParaRPr lang="en-US"/>
           </a:p>
@@ -9332,7 +8335,7 @@
           <a:p>
             <a:fld id="{6D6286AB-E04B-4291-82EC-03658E7008C5}" type="datetimeFigureOut">
               <a:rPr lang="en-US" smtClean="0"/>
-              <a:t>11/3/2018</a:t>
+              <a:t>11/18/2018</a:t>
             </a:fld>
             <a:endParaRPr lang="en-US"/>
           </a:p>
@@ -9540,7 +8543,7 @@
           <a:p>
             <a:fld id="{6D6286AB-E04B-4291-82EC-03658E7008C5}" type="datetimeFigureOut">
               <a:rPr lang="en-US" smtClean="0"/>
-              <a:t>11/3/2018</a:t>
+              <a:t>11/18/2018</a:t>
             </a:fld>
             <a:endParaRPr lang="en-US"/>
           </a:p>
@@ -9738,7 +8741,7 @@
           <a:p>
             <a:fld id="{6D6286AB-E04B-4291-82EC-03658E7008C5}" type="datetimeFigureOut">
               <a:rPr lang="en-US" smtClean="0"/>
-              <a:t>11/3/2018</a:t>
+              <a:t>11/18/2018</a:t>
             </a:fld>
             <a:endParaRPr lang="en-US"/>
           </a:p>
@@ -10013,7 +9016,7 @@
           <a:p>
             <a:fld id="{6D6286AB-E04B-4291-82EC-03658E7008C5}" type="datetimeFigureOut">
               <a:rPr lang="en-US" smtClean="0"/>
-              <a:t>11/3/2018</a:t>
+              <a:t>11/18/2018</a:t>
             </a:fld>
             <a:endParaRPr lang="en-US"/>
           </a:p>
@@ -10278,7 +9281,7 @@
           <a:p>
             <a:fld id="{6D6286AB-E04B-4291-82EC-03658E7008C5}" type="datetimeFigureOut">
               <a:rPr lang="en-US" smtClean="0"/>
-              <a:t>11/3/2018</a:t>
+              <a:t>11/18/2018</a:t>
             </a:fld>
             <a:endParaRPr lang="en-US"/>
           </a:p>
@@ -10690,7 +9693,7 @@
           <a:p>
             <a:fld id="{6D6286AB-E04B-4291-82EC-03658E7008C5}" type="datetimeFigureOut">
               <a:rPr lang="en-US" smtClean="0"/>
-              <a:t>11/3/2018</a:t>
+              <a:t>11/18/2018</a:t>
             </a:fld>
             <a:endParaRPr lang="en-US"/>
           </a:p>
@@ -10831,7 +9834,7 @@
           <a:p>
             <a:fld id="{6D6286AB-E04B-4291-82EC-03658E7008C5}" type="datetimeFigureOut">
               <a:rPr lang="en-US" smtClean="0"/>
-              <a:t>11/3/2018</a:t>
+              <a:t>11/18/2018</a:t>
             </a:fld>
             <a:endParaRPr lang="en-US"/>
           </a:p>
@@ -10944,7 +9947,7 @@
           <a:p>
             <a:fld id="{6D6286AB-E04B-4291-82EC-03658E7008C5}" type="datetimeFigureOut">
               <a:rPr lang="en-US" smtClean="0"/>
-              <a:t>11/3/2018</a:t>
+              <a:t>11/18/2018</a:t>
             </a:fld>
             <a:endParaRPr lang="en-US"/>
           </a:p>
@@ -11255,7 +10258,7 @@
           <a:p>
             <a:fld id="{6D6286AB-E04B-4291-82EC-03658E7008C5}" type="datetimeFigureOut">
               <a:rPr lang="en-US" smtClean="0"/>
-              <a:t>11/3/2018</a:t>
+              <a:t>11/18/2018</a:t>
             </a:fld>
             <a:endParaRPr lang="en-US"/>
           </a:p>
@@ -11543,7 +10546,7 @@
           <a:p>
             <a:fld id="{6D6286AB-E04B-4291-82EC-03658E7008C5}" type="datetimeFigureOut">
               <a:rPr lang="en-US" smtClean="0"/>
-              <a:t>11/3/2018</a:t>
+              <a:t>11/18/2018</a:t>
             </a:fld>
             <a:endParaRPr lang="en-US"/>
           </a:p>
@@ -11784,7 +10787,7 @@
           <a:p>
             <a:fld id="{6D6286AB-E04B-4291-82EC-03658E7008C5}" type="datetimeFigureOut">
               <a:rPr lang="en-US" smtClean="0"/>
-              <a:t>11/3/2018</a:t>
+              <a:t>11/18/2018</a:t>
             </a:fld>
             <a:endParaRPr lang="en-US"/>
           </a:p>
@@ -22458,6 +21461,53 @@
       </p:grpSpPr>
       <p:cxnSp>
         <p:nvCxnSpPr>
+          <p:cNvPr id="91" name="Straight Arrow Connector 90">
+            <a:extLst>
+              <a:ext uri="{FF2B5EF4-FFF2-40B4-BE49-F238E27FC236}">
+                <a16:creationId xmlns:a16="http://schemas.microsoft.com/office/drawing/2014/main" id="{7617C7C1-2C89-414F-8A8C-8EEA1622AAAB}"/>
+              </a:ext>
+            </a:extLst>
+          </p:cNvPr>
+          <p:cNvCxnSpPr>
+            <a:stCxn id="82" idx="3"/>
+          </p:cNvCxnSpPr>
+          <p:nvPr/>
+        </p:nvCxnSpPr>
+        <p:spPr>
+          <a:xfrm>
+            <a:off x="4450113" y="1778423"/>
+            <a:ext cx="2479006" cy="0"/>
+          </a:xfrm>
+          <a:prstGeom prst="straightConnector1">
+            <a:avLst/>
+          </a:prstGeom>
+          <a:ln>
+            <a:solidFill>
+              <a:schemeClr val="accent6">
+                <a:lumMod val="60000"/>
+                <a:lumOff val="40000"/>
+              </a:schemeClr>
+            </a:solidFill>
+            <a:tailEnd type="triangle"/>
+          </a:ln>
+        </p:spPr>
+        <p:style>
+          <a:lnRef idx="1">
+            <a:schemeClr val="accent1"/>
+          </a:lnRef>
+          <a:fillRef idx="0">
+            <a:schemeClr val="accent1"/>
+          </a:fillRef>
+          <a:effectRef idx="0">
+            <a:schemeClr val="accent1"/>
+          </a:effectRef>
+          <a:fontRef idx="minor">
+            <a:schemeClr val="tx1"/>
+          </a:fontRef>
+        </p:style>
+      </p:cxnSp>
+      <p:cxnSp>
+        <p:nvCxnSpPr>
           <p:cNvPr id="133" name="Straight Arrow Connector 132">
             <a:extLst>
               <a:ext uri="{FF2B5EF4-FFF2-40B4-BE49-F238E27FC236}">
@@ -23796,7 +22846,7 @@
         <p:spPr>
           <a:xfrm>
             <a:off x="1522198" y="3679790"/>
-            <a:ext cx="235642" cy="123111"/>
+            <a:ext cx="290144" cy="123111"/>
           </a:xfrm>
           <a:prstGeom prst="rect">
             <a:avLst/>
@@ -23813,7 +22863,7 @@
           <a:p>
             <a:r>
               <a:rPr lang="en-US" sz="800" dirty="0"/>
-              <a:t>batch</a:t>
+              <a:t>Batch (</a:t>
             </a:r>
           </a:p>
         </p:txBody>
@@ -24664,8 +23714,8 @@
         </p:nvSpPr>
         <p:spPr>
           <a:xfrm>
-            <a:off x="3987714" y="1285207"/>
-            <a:ext cx="628560" cy="138499"/>
+            <a:off x="3987714" y="1285208"/>
+            <a:ext cx="455405" cy="138499"/>
           </a:xfrm>
           <a:prstGeom prst="rect">
             <a:avLst/>
@@ -24748,53 +23798,6 @@
           </a:p>
         </p:txBody>
       </p:sp>
-      <p:cxnSp>
-        <p:nvCxnSpPr>
-          <p:cNvPr id="91" name="Straight Arrow Connector 90">
-            <a:extLst>
-              <a:ext uri="{FF2B5EF4-FFF2-40B4-BE49-F238E27FC236}">
-                <a16:creationId xmlns:a16="http://schemas.microsoft.com/office/drawing/2014/main" id="{7617C7C1-2C89-414F-8A8C-8EEA1622AAAB}"/>
-              </a:ext>
-            </a:extLst>
-          </p:cNvPr>
-          <p:cNvCxnSpPr>
-            <a:stCxn id="82" idx="3"/>
-          </p:cNvCxnSpPr>
-          <p:nvPr/>
-        </p:nvCxnSpPr>
-        <p:spPr>
-          <a:xfrm>
-            <a:off x="4450113" y="1778423"/>
-            <a:ext cx="2479006" cy="0"/>
-          </a:xfrm>
-          <a:prstGeom prst="straightConnector1">
-            <a:avLst/>
-          </a:prstGeom>
-          <a:ln>
-            <a:solidFill>
-              <a:schemeClr val="accent6">
-                <a:lumMod val="60000"/>
-                <a:lumOff val="40000"/>
-              </a:schemeClr>
-            </a:solidFill>
-            <a:tailEnd type="triangle"/>
-          </a:ln>
-        </p:spPr>
-        <p:style>
-          <a:lnRef idx="1">
-            <a:schemeClr val="accent1"/>
-          </a:lnRef>
-          <a:fillRef idx="0">
-            <a:schemeClr val="accent1"/>
-          </a:fillRef>
-          <a:effectRef idx="0">
-            <a:schemeClr val="accent1"/>
-          </a:effectRef>
-          <a:fontRef idx="minor">
-            <a:schemeClr val="tx1"/>
-          </a:fontRef>
-        </p:style>
-      </p:cxnSp>
       <p:sp>
         <p:nvSpPr>
           <p:cNvPr id="92" name="TextBox 91">
@@ -24970,8 +23973,8 @@
         </p:nvSpPr>
         <p:spPr>
           <a:xfrm>
-            <a:off x="3456934" y="1442242"/>
-            <a:ext cx="444352" cy="215444"/>
+            <a:off x="3492084" y="1513145"/>
+            <a:ext cx="276818" cy="123111"/>
           </a:xfrm>
           <a:prstGeom prst="rect">
             <a:avLst/>
@@ -24981,7 +23984,7 @@
           </a:solidFill>
         </p:spPr>
         <p:txBody>
-          <a:bodyPr wrap="none" lIns="0" tIns="0" rIns="0" bIns="0">
+          <a:bodyPr wrap="square" lIns="0" tIns="0" rIns="0" bIns="0">
             <a:spAutoFit/>
           </a:bodyPr>
           <a:lstStyle/>
@@ -26219,7 +25222,7 @@
         <p:spPr>
           <a:xfrm>
             <a:off x="2799767" y="1377858"/>
-            <a:ext cx="420308" cy="184666"/>
+            <a:ext cx="426720" cy="184666"/>
           </a:xfrm>
           <a:prstGeom prst="rect">
             <a:avLst/>
@@ -26232,10 +25235,10 @@
           <a:lstStyle/>
           <a:p>
             <a:r>
-              <a:rPr lang="en-US" sz="600" dirty="0"/>
+              <a:rPr lang="en-US" sz="600" b="1" dirty="0"/>
               <a:t>explore</a:t>
             </a:r>
-            <a:endParaRPr lang="en-US" sz="1400" dirty="0"/>
+            <a:endParaRPr lang="en-US" sz="1400" b="1" dirty="0"/>
           </a:p>
         </p:txBody>
       </p:sp>
@@ -26254,7 +25257,7 @@
         <p:spPr>
           <a:xfrm>
             <a:off x="2812285" y="1555558"/>
-            <a:ext cx="397866" cy="184666"/>
+            <a:ext cx="407484" cy="184666"/>
           </a:xfrm>
           <a:prstGeom prst="rect">
             <a:avLst/>
@@ -26267,10 +25270,10 @@
           <a:lstStyle/>
           <a:p>
             <a:r>
-              <a:rPr lang="en-US" sz="600" dirty="0"/>
+              <a:rPr lang="en-US" sz="600" b="1" dirty="0"/>
               <a:t>exploit</a:t>
             </a:r>
-            <a:endParaRPr lang="en-US" sz="1400" dirty="0"/>
+            <a:endParaRPr lang="en-US" sz="1400" b="1" dirty="0"/>
           </a:p>
         </p:txBody>
       </p:sp>
@@ -26347,6 +25350,480 @@
             <a:r>
               <a:rPr lang="en-US" sz="800" dirty="0" err="1"/>
               <a:t>Batch_Size</a:t>
+            </a:r>
+            <a:endParaRPr lang="en-US" sz="800" dirty="0"/>
+          </a:p>
+        </p:txBody>
+      </p:sp>
+      <p:cxnSp>
+        <p:nvCxnSpPr>
+          <p:cNvPr id="13" name="Straight Arrow Connector 12">
+            <a:extLst>
+              <a:ext uri="{FF2B5EF4-FFF2-40B4-BE49-F238E27FC236}">
+                <a16:creationId xmlns:a16="http://schemas.microsoft.com/office/drawing/2014/main" id="{25DD63BF-485A-4CC0-9EE7-DE82FC6CA5C9}"/>
+              </a:ext>
+            </a:extLst>
+          </p:cNvPr>
+          <p:cNvCxnSpPr/>
+          <p:nvPr/>
+        </p:nvCxnSpPr>
+        <p:spPr>
+          <a:xfrm>
+            <a:off x="1295400" y="906551"/>
+            <a:ext cx="9598911" cy="0"/>
+          </a:xfrm>
+          <a:prstGeom prst="straightConnector1">
+            <a:avLst/>
+          </a:prstGeom>
+          <a:ln>
+            <a:tailEnd type="triangle"/>
+          </a:ln>
+        </p:spPr>
+        <p:style>
+          <a:lnRef idx="1">
+            <a:schemeClr val="accent1"/>
+          </a:lnRef>
+          <a:fillRef idx="0">
+            <a:schemeClr val="accent1"/>
+          </a:fillRef>
+          <a:effectRef idx="0">
+            <a:schemeClr val="accent1"/>
+          </a:effectRef>
+          <a:fontRef idx="minor">
+            <a:schemeClr val="tx1"/>
+          </a:fontRef>
+        </p:style>
+      </p:cxnSp>
+      <p:sp>
+        <p:nvSpPr>
+          <p:cNvPr id="94" name="TextBox 93">
+            <a:extLst>
+              <a:ext uri="{FF2B5EF4-FFF2-40B4-BE49-F238E27FC236}">
+                <a16:creationId xmlns:a16="http://schemas.microsoft.com/office/drawing/2014/main" id="{563CB23B-E4D3-4FD1-B3B5-928B09B0ABB3}"/>
+              </a:ext>
+            </a:extLst>
+          </p:cNvPr>
+          <p:cNvSpPr txBox="1"/>
+          <p:nvPr/>
+        </p:nvSpPr>
+        <p:spPr>
+          <a:xfrm>
+            <a:off x="2421653" y="828798"/>
+            <a:ext cx="413401" cy="138499"/>
+          </a:xfrm>
+          <a:prstGeom prst="rect">
+            <a:avLst/>
+          </a:prstGeom>
+          <a:solidFill>
+            <a:schemeClr val="accent6">
+              <a:lumMod val="40000"/>
+              <a:lumOff val="60000"/>
+            </a:schemeClr>
+          </a:solidFill>
+        </p:spPr>
+        <p:txBody>
+          <a:bodyPr wrap="square" lIns="0" tIns="0" rIns="0" bIns="0" rtlCol="0">
+            <a:spAutoFit/>
+          </a:bodyPr>
+          <a:lstStyle>
+            <a:defPPr>
+              <a:defRPr lang="en-US"/>
+            </a:defPPr>
+            <a:lvl1pPr>
+              <a:defRPr sz="900"/>
+            </a:lvl1pPr>
+          </a:lstStyle>
+          <a:p>
+            <a:r>
+              <a:rPr lang="en-US" dirty="0"/>
+              <a:t>_</a:t>
+            </a:r>
+            <a:r>
+              <a:rPr lang="en-US" dirty="0" err="1"/>
+              <a:t>init</a:t>
+            </a:r>
+            <a:r>
+              <a:rPr lang="en-US" dirty="0"/>
+              <a:t>_()</a:t>
+            </a:r>
+          </a:p>
+        </p:txBody>
+      </p:sp>
+      <p:sp>
+        <p:nvSpPr>
+          <p:cNvPr id="16" name="Flowchart: Connector 15">
+            <a:extLst>
+              <a:ext uri="{FF2B5EF4-FFF2-40B4-BE49-F238E27FC236}">
+                <a16:creationId xmlns:a16="http://schemas.microsoft.com/office/drawing/2014/main" id="{9C0CDF6E-BE25-40D6-B1E0-5A827A150209}"/>
+              </a:ext>
+            </a:extLst>
+          </p:cNvPr>
+          <p:cNvSpPr/>
+          <p:nvPr/>
+        </p:nvSpPr>
+        <p:spPr>
+          <a:xfrm>
+            <a:off x="3220075" y="886929"/>
+            <a:ext cx="45719" cy="45719"/>
+          </a:xfrm>
+          <a:prstGeom prst="flowChartConnector">
+            <a:avLst/>
+          </a:prstGeom>
+        </p:spPr>
+        <p:style>
+          <a:lnRef idx="2">
+            <a:schemeClr val="accent1">
+              <a:shade val="50000"/>
+            </a:schemeClr>
+          </a:lnRef>
+          <a:fillRef idx="1">
+            <a:schemeClr val="accent1"/>
+          </a:fillRef>
+          <a:effectRef idx="0">
+            <a:schemeClr val="accent1"/>
+          </a:effectRef>
+          <a:fontRef idx="minor">
+            <a:schemeClr val="lt1"/>
+          </a:fontRef>
+        </p:style>
+        <p:txBody>
+          <a:bodyPr rtlCol="0" anchor="ctr"/>
+          <a:lstStyle/>
+          <a:p>
+            <a:pPr algn="ctr"/>
+            <a:endParaRPr lang="en-US"/>
+          </a:p>
+        </p:txBody>
+      </p:sp>
+      <p:sp>
+        <p:nvSpPr>
+          <p:cNvPr id="96" name="Flowchart: Connector 95">
+            <a:extLst>
+              <a:ext uri="{FF2B5EF4-FFF2-40B4-BE49-F238E27FC236}">
+                <a16:creationId xmlns:a16="http://schemas.microsoft.com/office/drawing/2014/main" id="{05FDC661-CC10-4888-8917-6BB686FB6F7C}"/>
+              </a:ext>
+            </a:extLst>
+          </p:cNvPr>
+          <p:cNvSpPr/>
+          <p:nvPr/>
+        </p:nvSpPr>
+        <p:spPr>
+          <a:xfrm>
+            <a:off x="5072365" y="881659"/>
+            <a:ext cx="45719" cy="45719"/>
+          </a:xfrm>
+          <a:prstGeom prst="flowChartConnector">
+            <a:avLst/>
+          </a:prstGeom>
+        </p:spPr>
+        <p:style>
+          <a:lnRef idx="2">
+            <a:schemeClr val="accent1">
+              <a:shade val="50000"/>
+            </a:schemeClr>
+          </a:lnRef>
+          <a:fillRef idx="1">
+            <a:schemeClr val="accent1"/>
+          </a:fillRef>
+          <a:effectRef idx="0">
+            <a:schemeClr val="accent1"/>
+          </a:effectRef>
+          <a:fontRef idx="minor">
+            <a:schemeClr val="lt1"/>
+          </a:fontRef>
+        </p:style>
+        <p:txBody>
+          <a:bodyPr rtlCol="0" anchor="ctr"/>
+          <a:lstStyle/>
+          <a:p>
+            <a:pPr algn="ctr"/>
+            <a:endParaRPr lang="en-US"/>
+          </a:p>
+        </p:txBody>
+      </p:sp>
+      <p:sp>
+        <p:nvSpPr>
+          <p:cNvPr id="99" name="Flowchart: Connector 98">
+            <a:extLst>
+              <a:ext uri="{FF2B5EF4-FFF2-40B4-BE49-F238E27FC236}">
+                <a16:creationId xmlns:a16="http://schemas.microsoft.com/office/drawing/2014/main" id="{D8A3F55F-C55E-4591-952F-531F0667ADD0}"/>
+              </a:ext>
+            </a:extLst>
+          </p:cNvPr>
+          <p:cNvSpPr/>
+          <p:nvPr/>
+        </p:nvSpPr>
+        <p:spPr>
+          <a:xfrm>
+            <a:off x="10875842" y="880853"/>
+            <a:ext cx="45719" cy="45719"/>
+          </a:xfrm>
+          <a:prstGeom prst="flowChartConnector">
+            <a:avLst/>
+          </a:prstGeom>
+        </p:spPr>
+        <p:style>
+          <a:lnRef idx="2">
+            <a:schemeClr val="accent1">
+              <a:shade val="50000"/>
+            </a:schemeClr>
+          </a:lnRef>
+          <a:fillRef idx="1">
+            <a:schemeClr val="accent1"/>
+          </a:fillRef>
+          <a:effectRef idx="0">
+            <a:schemeClr val="accent1"/>
+          </a:effectRef>
+          <a:fontRef idx="minor">
+            <a:schemeClr val="lt1"/>
+          </a:fontRef>
+        </p:style>
+        <p:txBody>
+          <a:bodyPr rtlCol="0" anchor="ctr"/>
+          <a:lstStyle/>
+          <a:p>
+            <a:pPr algn="ctr"/>
+            <a:endParaRPr lang="en-US"/>
+          </a:p>
+        </p:txBody>
+      </p:sp>
+      <p:sp>
+        <p:nvSpPr>
+          <p:cNvPr id="100" name="Flowchart: Connector 99">
+            <a:extLst>
+              <a:ext uri="{FF2B5EF4-FFF2-40B4-BE49-F238E27FC236}">
+                <a16:creationId xmlns:a16="http://schemas.microsoft.com/office/drawing/2014/main" id="{C031F20D-8353-49B3-8A69-57E598D3C2F4}"/>
+              </a:ext>
+            </a:extLst>
+          </p:cNvPr>
+          <p:cNvSpPr/>
+          <p:nvPr/>
+        </p:nvSpPr>
+        <p:spPr>
+          <a:xfrm>
+            <a:off x="8932332" y="880853"/>
+            <a:ext cx="45719" cy="45719"/>
+          </a:xfrm>
+          <a:prstGeom prst="flowChartConnector">
+            <a:avLst/>
+          </a:prstGeom>
+        </p:spPr>
+        <p:style>
+          <a:lnRef idx="2">
+            <a:schemeClr val="accent1">
+              <a:shade val="50000"/>
+            </a:schemeClr>
+          </a:lnRef>
+          <a:fillRef idx="1">
+            <a:schemeClr val="accent1"/>
+          </a:fillRef>
+          <a:effectRef idx="0">
+            <a:schemeClr val="accent1"/>
+          </a:effectRef>
+          <a:fontRef idx="minor">
+            <a:schemeClr val="lt1"/>
+          </a:fontRef>
+        </p:style>
+        <p:txBody>
+          <a:bodyPr rtlCol="0" anchor="ctr"/>
+          <a:lstStyle/>
+          <a:p>
+            <a:pPr algn="ctr"/>
+            <a:endParaRPr lang="en-US"/>
+          </a:p>
+        </p:txBody>
+      </p:sp>
+      <p:sp>
+        <p:nvSpPr>
+          <p:cNvPr id="101" name="Flowchart: Connector 100">
+            <a:extLst>
+              <a:ext uri="{FF2B5EF4-FFF2-40B4-BE49-F238E27FC236}">
+                <a16:creationId xmlns:a16="http://schemas.microsoft.com/office/drawing/2014/main" id="{3F44F342-5F88-45EA-8F54-6BF59685B579}"/>
+              </a:ext>
+            </a:extLst>
+          </p:cNvPr>
+          <p:cNvSpPr/>
+          <p:nvPr/>
+        </p:nvSpPr>
+        <p:spPr>
+          <a:xfrm>
+            <a:off x="6995159" y="871612"/>
+            <a:ext cx="45719" cy="45719"/>
+          </a:xfrm>
+          <a:prstGeom prst="flowChartConnector">
+            <a:avLst/>
+          </a:prstGeom>
+        </p:spPr>
+        <p:style>
+          <a:lnRef idx="2">
+            <a:schemeClr val="accent1">
+              <a:shade val="50000"/>
+            </a:schemeClr>
+          </a:lnRef>
+          <a:fillRef idx="1">
+            <a:schemeClr val="accent1"/>
+          </a:fillRef>
+          <a:effectRef idx="0">
+            <a:schemeClr val="accent1"/>
+          </a:effectRef>
+          <a:fontRef idx="minor">
+            <a:schemeClr val="lt1"/>
+          </a:fontRef>
+        </p:style>
+        <p:txBody>
+          <a:bodyPr rtlCol="0" anchor="ctr"/>
+          <a:lstStyle/>
+          <a:p>
+            <a:pPr algn="ctr"/>
+            <a:endParaRPr lang="en-US"/>
+          </a:p>
+        </p:txBody>
+      </p:sp>
+      <p:sp>
+        <p:nvSpPr>
+          <p:cNvPr id="102" name="Rectangle 101">
+            <a:extLst>
+              <a:ext uri="{FF2B5EF4-FFF2-40B4-BE49-F238E27FC236}">
+                <a16:creationId xmlns:a16="http://schemas.microsoft.com/office/drawing/2014/main" id="{3C17D889-A827-4D1D-B577-B6A1611DC870}"/>
+              </a:ext>
+            </a:extLst>
+          </p:cNvPr>
+          <p:cNvSpPr/>
+          <p:nvPr/>
+        </p:nvSpPr>
+        <p:spPr>
+          <a:xfrm>
+            <a:off x="1804416" y="3660534"/>
+            <a:ext cx="259686" cy="123111"/>
+          </a:xfrm>
+          <a:prstGeom prst="rect">
+            <a:avLst/>
+          </a:prstGeom>
+          <a:solidFill>
+            <a:srgbClr val="FFC000"/>
+          </a:solidFill>
+        </p:spPr>
+        <p:txBody>
+          <a:bodyPr wrap="none" lIns="0" tIns="0" rIns="0" bIns="0">
+            <a:spAutoFit/>
+          </a:bodyPr>
+          <a:lstStyle/>
+          <a:p>
+            <a:r>
+              <a:rPr lang="en-US" sz="800" dirty="0"/>
+              <a:t>action</a:t>
+            </a:r>
+          </a:p>
+        </p:txBody>
+      </p:sp>
+      <p:sp>
+        <p:nvSpPr>
+          <p:cNvPr id="103" name="Rectangle 102">
+            <a:extLst>
+              <a:ext uri="{FF2B5EF4-FFF2-40B4-BE49-F238E27FC236}">
+                <a16:creationId xmlns:a16="http://schemas.microsoft.com/office/drawing/2014/main" id="{91B8F826-42BF-4CC0-98D6-E2E0972BE42E}"/>
+              </a:ext>
+            </a:extLst>
+          </p:cNvPr>
+          <p:cNvSpPr/>
+          <p:nvPr/>
+        </p:nvSpPr>
+        <p:spPr>
+          <a:xfrm>
+            <a:off x="2188638" y="3670473"/>
+            <a:ext cx="299762" cy="123111"/>
+          </a:xfrm>
+          <a:prstGeom prst="rect">
+            <a:avLst/>
+          </a:prstGeom>
+          <a:solidFill>
+            <a:srgbClr val="FFC000"/>
+          </a:solidFill>
+        </p:spPr>
+        <p:txBody>
+          <a:bodyPr wrap="none" lIns="0" tIns="0" rIns="0" bIns="0">
+            <a:spAutoFit/>
+          </a:bodyPr>
+          <a:lstStyle/>
+          <a:p>
+            <a:r>
+              <a:rPr lang="en-US" sz="800" dirty="0"/>
+              <a:t>reward</a:t>
+            </a:r>
+          </a:p>
+        </p:txBody>
+      </p:sp>
+      <p:sp>
+        <p:nvSpPr>
+          <p:cNvPr id="104" name="Rectangle 103">
+            <a:extLst>
+              <a:ext uri="{FF2B5EF4-FFF2-40B4-BE49-F238E27FC236}">
+                <a16:creationId xmlns:a16="http://schemas.microsoft.com/office/drawing/2014/main" id="{16F7F9B3-2909-4031-9608-EAEB8D1C8756}"/>
+              </a:ext>
+            </a:extLst>
+          </p:cNvPr>
+          <p:cNvSpPr/>
+          <p:nvPr/>
+        </p:nvSpPr>
+        <p:spPr>
+          <a:xfrm>
+            <a:off x="2551620" y="3669245"/>
+            <a:ext cx="439223" cy="123111"/>
+          </a:xfrm>
+          <a:prstGeom prst="rect">
+            <a:avLst/>
+          </a:prstGeom>
+          <a:solidFill>
+            <a:srgbClr val="FFC000"/>
+          </a:solidFill>
+        </p:spPr>
+        <p:txBody>
+          <a:bodyPr wrap="none" lIns="0" tIns="0" rIns="0" bIns="0">
+            <a:spAutoFit/>
+          </a:bodyPr>
+          <a:lstStyle/>
+          <a:p>
+            <a:r>
+              <a:rPr lang="en-US" sz="800" dirty="0" err="1"/>
+              <a:t>new_state</a:t>
+            </a:r>
+            <a:endParaRPr lang="en-US" sz="800" dirty="0"/>
+          </a:p>
+        </p:txBody>
+      </p:sp>
+      <p:sp>
+        <p:nvSpPr>
+          <p:cNvPr id="106" name="Rectangle 105">
+            <a:extLst>
+              <a:ext uri="{FF2B5EF4-FFF2-40B4-BE49-F238E27FC236}">
+                <a16:creationId xmlns:a16="http://schemas.microsoft.com/office/drawing/2014/main" id="{D1593099-8B0D-4AFA-8D61-D050B021D8C2}"/>
+              </a:ext>
+            </a:extLst>
+          </p:cNvPr>
+          <p:cNvSpPr/>
+          <p:nvPr/>
+        </p:nvSpPr>
+        <p:spPr>
+          <a:xfrm>
+            <a:off x="3081496" y="3679091"/>
+            <a:ext cx="253274" cy="123111"/>
+          </a:xfrm>
+          <a:prstGeom prst="rect">
+            <a:avLst/>
+          </a:prstGeom>
+          <a:solidFill>
+            <a:srgbClr val="FFC000"/>
+          </a:solidFill>
+        </p:spPr>
+        <p:txBody>
+          <a:bodyPr wrap="none" lIns="0" tIns="0" rIns="0" bIns="0">
+            <a:spAutoFit/>
+          </a:bodyPr>
+          <a:lstStyle/>
+          <a:p>
+            <a:r>
+              <a:rPr lang="en-US" sz="800"/>
+              <a:t>Done)</a:t>
             </a:r>
             <a:endParaRPr lang="en-US" sz="800" dirty="0"/>
           </a:p>
